--- a/input/images/app_mod.pptx
+++ b/input/images/app_mod.pptx
@@ -2,12 +2,12 @@
 <file path=ppt/presentation.xml><?xml version="1.0" encoding="utf-8"?>
 <p:presentation xmlns:a="http://schemas.openxmlformats.org/drawingml/2006/main" xmlns:r="http://schemas.openxmlformats.org/officeDocument/2006/relationships" xmlns:p="http://schemas.openxmlformats.org/presentationml/2006/main" saveSubsetFonts="1">
   <p:sldMasterIdLst>
-    <p:sldMasterId id="2147483696" r:id="rId1"/>
+    <p:sldMasterId id="2147483708" r:id="rId1"/>
   </p:sldMasterIdLst>
   <p:sldIdLst>
     <p:sldId id="256" r:id="rId2"/>
   </p:sldIdLst>
-  <p:sldSz cx="9144000" cy="5759450"/>
+  <p:sldSz cx="9144000" cy="3959225"/>
   <p:notesSz cx="6858000" cy="9144000"/>
   <p:defaultTextStyle>
     <a:defPPr>
@@ -141,15 +141,15 @@
         </p:nvSpPr>
         <p:spPr>
           <a:xfrm>
-            <a:off x="1143000" y="942577"/>
-            <a:ext cx="6858000" cy="2005142"/>
+            <a:off x="1143000" y="647957"/>
+            <a:ext cx="6858000" cy="1378397"/>
           </a:xfrm>
         </p:spPr>
         <p:txBody>
           <a:bodyPr anchor="b"/>
           <a:lstStyle>
             <a:lvl1pPr algn="ctr">
-              <a:defRPr sz="4500"/>
+              <a:defRPr sz="3464"/>
             </a:lvl1pPr>
           </a:lstStyle>
           <a:p>
@@ -173,8 +173,8 @@
         </p:nvSpPr>
         <p:spPr>
           <a:xfrm>
-            <a:off x="1143000" y="3025045"/>
-            <a:ext cx="6858000" cy="1390533"/>
+            <a:off x="1143000" y="2079510"/>
+            <a:ext cx="6858000" cy="955896"/>
           </a:xfrm>
         </p:spPr>
         <p:txBody>
@@ -182,39 +182,39 @@
           <a:lstStyle>
             <a:lvl1pPr marL="0" indent="0" algn="ctr">
               <a:buNone/>
-              <a:defRPr sz="1800"/>
+              <a:defRPr sz="1386"/>
             </a:lvl1pPr>
-            <a:lvl2pPr marL="342900" indent="0" algn="ctr">
-              <a:buNone/>
-              <a:defRPr sz="1500"/>
+            <a:lvl2pPr marL="263942" indent="0" algn="ctr">
+              <a:buNone/>
+              <a:defRPr sz="1155"/>
             </a:lvl2pPr>
-            <a:lvl3pPr marL="685800" indent="0" algn="ctr">
-              <a:buNone/>
-              <a:defRPr sz="1350"/>
+            <a:lvl3pPr marL="527883" indent="0" algn="ctr">
+              <a:buNone/>
+              <a:defRPr sz="1039"/>
             </a:lvl3pPr>
-            <a:lvl4pPr marL="1028700" indent="0" algn="ctr">
-              <a:buNone/>
-              <a:defRPr sz="1200"/>
+            <a:lvl4pPr marL="791825" indent="0" algn="ctr">
+              <a:buNone/>
+              <a:defRPr sz="924"/>
             </a:lvl4pPr>
-            <a:lvl5pPr marL="1371600" indent="0" algn="ctr">
-              <a:buNone/>
-              <a:defRPr sz="1200"/>
+            <a:lvl5pPr marL="1055766" indent="0" algn="ctr">
+              <a:buNone/>
+              <a:defRPr sz="924"/>
             </a:lvl5pPr>
-            <a:lvl6pPr marL="1714500" indent="0" algn="ctr">
-              <a:buNone/>
-              <a:defRPr sz="1200"/>
+            <a:lvl6pPr marL="1319708" indent="0" algn="ctr">
+              <a:buNone/>
+              <a:defRPr sz="924"/>
             </a:lvl6pPr>
-            <a:lvl7pPr marL="2057400" indent="0" algn="ctr">
-              <a:buNone/>
-              <a:defRPr sz="1200"/>
+            <a:lvl7pPr marL="1583649" indent="0" algn="ctr">
+              <a:buNone/>
+              <a:defRPr sz="924"/>
             </a:lvl7pPr>
-            <a:lvl8pPr marL="2400300" indent="0" algn="ctr">
-              <a:buNone/>
-              <a:defRPr sz="1200"/>
+            <a:lvl8pPr marL="1847591" indent="0" algn="ctr">
+              <a:buNone/>
+              <a:defRPr sz="924"/>
             </a:lvl8pPr>
-            <a:lvl9pPr marL="2743200" indent="0" algn="ctr">
-              <a:buNone/>
-              <a:defRPr sz="1200"/>
+            <a:lvl9pPr marL="2111532" indent="0" algn="ctr">
+              <a:buNone/>
+              <a:defRPr sz="924"/>
             </a:lvl9pPr>
           </a:lstStyle>
           <a:p>
@@ -243,7 +243,7 @@
           <a:p>
             <a:fld id="{54FB5702-4C46-4803-8640-AC94616135D0}" type="datetimeFigureOut">
               <a:rPr lang="es-CL" smtClean="0"/>
-              <a:t>20-04-2020</a:t>
+              <a:t>25-07-2020</a:t>
             </a:fld>
             <a:endParaRPr lang="es-CL"/>
           </a:p>
@@ -294,7 +294,7 @@
     </p:spTree>
     <p:extLst>
       <p:ext uri="{BB962C8B-B14F-4D97-AF65-F5344CB8AC3E}">
-        <p14:creationId xmlns:p14="http://schemas.microsoft.com/office/powerpoint/2010/main" val="1956333418"/>
+        <p14:creationId xmlns:p14="http://schemas.microsoft.com/office/powerpoint/2010/main" val="2375006837"/>
       </p:ext>
     </p:extLst>
   </p:cSld>
@@ -413,7 +413,7 @@
           <a:p>
             <a:fld id="{54FB5702-4C46-4803-8640-AC94616135D0}" type="datetimeFigureOut">
               <a:rPr lang="es-CL" smtClean="0"/>
-              <a:t>20-04-2020</a:t>
+              <a:t>25-07-2020</a:t>
             </a:fld>
             <a:endParaRPr lang="es-CL"/>
           </a:p>
@@ -464,7 +464,7 @@
     </p:spTree>
     <p:extLst>
       <p:ext uri="{BB962C8B-B14F-4D97-AF65-F5344CB8AC3E}">
-        <p14:creationId xmlns:p14="http://schemas.microsoft.com/office/powerpoint/2010/main" val="86310810"/>
+        <p14:creationId xmlns:p14="http://schemas.microsoft.com/office/powerpoint/2010/main" val="1733692732"/>
       </p:ext>
     </p:extLst>
   </p:cSld>
@@ -503,8 +503,8 @@
         </p:nvSpPr>
         <p:spPr>
           <a:xfrm>
-            <a:off x="6543675" y="306637"/>
-            <a:ext cx="1971675" cy="4880868"/>
+            <a:off x="6543675" y="210792"/>
+            <a:ext cx="1971675" cy="3355260"/>
           </a:xfrm>
         </p:spPr>
         <p:txBody>
@@ -531,8 +531,8 @@
         </p:nvSpPr>
         <p:spPr>
           <a:xfrm>
-            <a:off x="628650" y="306637"/>
-            <a:ext cx="5800725" cy="4880868"/>
+            <a:off x="628650" y="210792"/>
+            <a:ext cx="5800725" cy="3355260"/>
           </a:xfrm>
         </p:spPr>
         <p:txBody>
@@ -593,7 +593,7 @@
           <a:p>
             <a:fld id="{54FB5702-4C46-4803-8640-AC94616135D0}" type="datetimeFigureOut">
               <a:rPr lang="es-CL" smtClean="0"/>
-              <a:t>20-04-2020</a:t>
+              <a:t>25-07-2020</a:t>
             </a:fld>
             <a:endParaRPr lang="es-CL"/>
           </a:p>
@@ -644,7 +644,7 @@
     </p:spTree>
     <p:extLst>
       <p:ext uri="{BB962C8B-B14F-4D97-AF65-F5344CB8AC3E}">
-        <p14:creationId xmlns:p14="http://schemas.microsoft.com/office/powerpoint/2010/main" val="490731318"/>
+        <p14:creationId xmlns:p14="http://schemas.microsoft.com/office/powerpoint/2010/main" val="487632283"/>
       </p:ext>
     </p:extLst>
   </p:cSld>
@@ -763,7 +763,7 @@
           <a:p>
             <a:fld id="{54FB5702-4C46-4803-8640-AC94616135D0}" type="datetimeFigureOut">
               <a:rPr lang="es-CL" smtClean="0"/>
-              <a:t>20-04-2020</a:t>
+              <a:t>25-07-2020</a:t>
             </a:fld>
             <a:endParaRPr lang="es-CL"/>
           </a:p>
@@ -814,7 +814,7 @@
     </p:spTree>
     <p:extLst>
       <p:ext uri="{BB962C8B-B14F-4D97-AF65-F5344CB8AC3E}">
-        <p14:creationId xmlns:p14="http://schemas.microsoft.com/office/powerpoint/2010/main" val="1923353798"/>
+        <p14:creationId xmlns:p14="http://schemas.microsoft.com/office/powerpoint/2010/main" val="1941808745"/>
       </p:ext>
     </p:extLst>
   </p:cSld>
@@ -853,15 +853,15 @@
         </p:nvSpPr>
         <p:spPr>
           <a:xfrm>
-            <a:off x="623888" y="1435864"/>
-            <a:ext cx="7886700" cy="2395771"/>
+            <a:off x="623888" y="987058"/>
+            <a:ext cx="7886700" cy="1646927"/>
           </a:xfrm>
         </p:spPr>
         <p:txBody>
           <a:bodyPr anchor="b"/>
           <a:lstStyle>
             <a:lvl1pPr>
-              <a:defRPr sz="4500"/>
+              <a:defRPr sz="3464"/>
             </a:lvl1pPr>
           </a:lstStyle>
           <a:p>
@@ -885,8 +885,8 @@
         </p:nvSpPr>
         <p:spPr>
           <a:xfrm>
-            <a:off x="623888" y="3854300"/>
-            <a:ext cx="7886700" cy="1259879"/>
+            <a:off x="623888" y="2649565"/>
+            <a:ext cx="7886700" cy="866080"/>
           </a:xfrm>
         </p:spPr>
         <p:txBody>
@@ -894,7 +894,7 @@
           <a:lstStyle>
             <a:lvl1pPr marL="0" indent="0">
               <a:buNone/>
-              <a:defRPr sz="1800">
+              <a:defRPr sz="1386">
                 <a:solidFill>
                   <a:schemeClr val="tx1">
                     <a:tint val="75000"/>
@@ -902,9 +902,9 @@
                 </a:solidFill>
               </a:defRPr>
             </a:lvl1pPr>
-            <a:lvl2pPr marL="342900" indent="0">
-              <a:buNone/>
-              <a:defRPr sz="1500">
+            <a:lvl2pPr marL="263942" indent="0">
+              <a:buNone/>
+              <a:defRPr sz="1155">
                 <a:solidFill>
                   <a:schemeClr val="tx1">
                     <a:tint val="75000"/>
@@ -912,9 +912,9 @@
                 </a:solidFill>
               </a:defRPr>
             </a:lvl2pPr>
-            <a:lvl3pPr marL="685800" indent="0">
-              <a:buNone/>
-              <a:defRPr sz="1350">
+            <a:lvl3pPr marL="527883" indent="0">
+              <a:buNone/>
+              <a:defRPr sz="1039">
                 <a:solidFill>
                   <a:schemeClr val="tx1">
                     <a:tint val="75000"/>
@@ -922,9 +922,9 @@
                 </a:solidFill>
               </a:defRPr>
             </a:lvl3pPr>
-            <a:lvl4pPr marL="1028700" indent="0">
-              <a:buNone/>
-              <a:defRPr sz="1200">
+            <a:lvl4pPr marL="791825" indent="0">
+              <a:buNone/>
+              <a:defRPr sz="924">
                 <a:solidFill>
                   <a:schemeClr val="tx1">
                     <a:tint val="75000"/>
@@ -932,9 +932,9 @@
                 </a:solidFill>
               </a:defRPr>
             </a:lvl4pPr>
-            <a:lvl5pPr marL="1371600" indent="0">
-              <a:buNone/>
-              <a:defRPr sz="1200">
+            <a:lvl5pPr marL="1055766" indent="0">
+              <a:buNone/>
+              <a:defRPr sz="924">
                 <a:solidFill>
                   <a:schemeClr val="tx1">
                     <a:tint val="75000"/>
@@ -942,9 +942,9 @@
                 </a:solidFill>
               </a:defRPr>
             </a:lvl5pPr>
-            <a:lvl6pPr marL="1714500" indent="0">
-              <a:buNone/>
-              <a:defRPr sz="1200">
+            <a:lvl6pPr marL="1319708" indent="0">
+              <a:buNone/>
+              <a:defRPr sz="924">
                 <a:solidFill>
                   <a:schemeClr val="tx1">
                     <a:tint val="75000"/>
@@ -952,9 +952,9 @@
                 </a:solidFill>
               </a:defRPr>
             </a:lvl6pPr>
-            <a:lvl7pPr marL="2057400" indent="0">
-              <a:buNone/>
-              <a:defRPr sz="1200">
+            <a:lvl7pPr marL="1583649" indent="0">
+              <a:buNone/>
+              <a:defRPr sz="924">
                 <a:solidFill>
                   <a:schemeClr val="tx1">
                     <a:tint val="75000"/>
@@ -962,9 +962,9 @@
                 </a:solidFill>
               </a:defRPr>
             </a:lvl7pPr>
-            <a:lvl8pPr marL="2400300" indent="0">
-              <a:buNone/>
-              <a:defRPr sz="1200">
+            <a:lvl8pPr marL="1847591" indent="0">
+              <a:buNone/>
+              <a:defRPr sz="924">
                 <a:solidFill>
                   <a:schemeClr val="tx1">
                     <a:tint val="75000"/>
@@ -972,9 +972,9 @@
                 </a:solidFill>
               </a:defRPr>
             </a:lvl8pPr>
-            <a:lvl9pPr marL="2743200" indent="0">
-              <a:buNone/>
-              <a:defRPr sz="1200">
+            <a:lvl9pPr marL="2111532" indent="0">
+              <a:buNone/>
+              <a:defRPr sz="924">
                 <a:solidFill>
                   <a:schemeClr val="tx1">
                     <a:tint val="75000"/>
@@ -1009,7 +1009,7 @@
           <a:p>
             <a:fld id="{54FB5702-4C46-4803-8640-AC94616135D0}" type="datetimeFigureOut">
               <a:rPr lang="es-CL" smtClean="0"/>
-              <a:t>20-04-2020</a:t>
+              <a:t>25-07-2020</a:t>
             </a:fld>
             <a:endParaRPr lang="es-CL"/>
           </a:p>
@@ -1060,7 +1060,7 @@
     </p:spTree>
     <p:extLst>
       <p:ext uri="{BB962C8B-B14F-4D97-AF65-F5344CB8AC3E}">
-        <p14:creationId xmlns:p14="http://schemas.microsoft.com/office/powerpoint/2010/main" val="4201832020"/>
+        <p14:creationId xmlns:p14="http://schemas.microsoft.com/office/powerpoint/2010/main" val="2958715346"/>
       </p:ext>
     </p:extLst>
   </p:cSld>
@@ -1122,8 +1122,8 @@
         </p:nvSpPr>
         <p:spPr>
           <a:xfrm>
-            <a:off x="628650" y="1533187"/>
-            <a:ext cx="3886200" cy="3654318"/>
+            <a:off x="628650" y="1053960"/>
+            <a:ext cx="3886200" cy="2512092"/>
           </a:xfrm>
         </p:spPr>
         <p:txBody>
@@ -1179,8 +1179,8 @@
         </p:nvSpPr>
         <p:spPr>
           <a:xfrm>
-            <a:off x="4629150" y="1533187"/>
-            <a:ext cx="3886200" cy="3654318"/>
+            <a:off x="4629150" y="1053960"/>
+            <a:ext cx="3886200" cy="2512092"/>
           </a:xfrm>
         </p:spPr>
         <p:txBody>
@@ -1241,7 +1241,7 @@
           <a:p>
             <a:fld id="{54FB5702-4C46-4803-8640-AC94616135D0}" type="datetimeFigureOut">
               <a:rPr lang="es-CL" smtClean="0"/>
-              <a:t>20-04-2020</a:t>
+              <a:t>25-07-2020</a:t>
             </a:fld>
             <a:endParaRPr lang="es-CL"/>
           </a:p>
@@ -1292,7 +1292,7 @@
     </p:spTree>
     <p:extLst>
       <p:ext uri="{BB962C8B-B14F-4D97-AF65-F5344CB8AC3E}">
-        <p14:creationId xmlns:p14="http://schemas.microsoft.com/office/powerpoint/2010/main" val="2592341477"/>
+        <p14:creationId xmlns:p14="http://schemas.microsoft.com/office/powerpoint/2010/main" val="2534202228"/>
       </p:ext>
     </p:extLst>
   </p:cSld>
@@ -1331,8 +1331,8 @@
         </p:nvSpPr>
         <p:spPr>
           <a:xfrm>
-            <a:off x="629841" y="306638"/>
-            <a:ext cx="7886700" cy="1113227"/>
+            <a:off x="629841" y="210792"/>
+            <a:ext cx="7886700" cy="765267"/>
           </a:xfrm>
         </p:spPr>
         <p:txBody>
@@ -1359,8 +1359,8 @@
         </p:nvSpPr>
         <p:spPr>
           <a:xfrm>
-            <a:off x="629842" y="1411865"/>
-            <a:ext cx="3868340" cy="691934"/>
+            <a:off x="629842" y="970560"/>
+            <a:ext cx="3868340" cy="475657"/>
           </a:xfrm>
         </p:spPr>
         <p:txBody>
@@ -1368,39 +1368,39 @@
           <a:lstStyle>
             <a:lvl1pPr marL="0" indent="0">
               <a:buNone/>
-              <a:defRPr sz="1800" b="1"/>
+              <a:defRPr sz="1386" b="1"/>
             </a:lvl1pPr>
-            <a:lvl2pPr marL="342900" indent="0">
-              <a:buNone/>
-              <a:defRPr sz="1500" b="1"/>
+            <a:lvl2pPr marL="263942" indent="0">
+              <a:buNone/>
+              <a:defRPr sz="1155" b="1"/>
             </a:lvl2pPr>
-            <a:lvl3pPr marL="685800" indent="0">
-              <a:buNone/>
-              <a:defRPr sz="1350" b="1"/>
+            <a:lvl3pPr marL="527883" indent="0">
+              <a:buNone/>
+              <a:defRPr sz="1039" b="1"/>
             </a:lvl3pPr>
-            <a:lvl4pPr marL="1028700" indent="0">
-              <a:buNone/>
-              <a:defRPr sz="1200" b="1"/>
+            <a:lvl4pPr marL="791825" indent="0">
+              <a:buNone/>
+              <a:defRPr sz="924" b="1"/>
             </a:lvl4pPr>
-            <a:lvl5pPr marL="1371600" indent="0">
-              <a:buNone/>
-              <a:defRPr sz="1200" b="1"/>
+            <a:lvl5pPr marL="1055766" indent="0">
+              <a:buNone/>
+              <a:defRPr sz="924" b="1"/>
             </a:lvl5pPr>
-            <a:lvl6pPr marL="1714500" indent="0">
-              <a:buNone/>
-              <a:defRPr sz="1200" b="1"/>
+            <a:lvl6pPr marL="1319708" indent="0">
+              <a:buNone/>
+              <a:defRPr sz="924" b="1"/>
             </a:lvl6pPr>
-            <a:lvl7pPr marL="2057400" indent="0">
-              <a:buNone/>
-              <a:defRPr sz="1200" b="1"/>
+            <a:lvl7pPr marL="1583649" indent="0">
+              <a:buNone/>
+              <a:defRPr sz="924" b="1"/>
             </a:lvl7pPr>
-            <a:lvl8pPr marL="2400300" indent="0">
-              <a:buNone/>
-              <a:defRPr sz="1200" b="1"/>
+            <a:lvl8pPr marL="1847591" indent="0">
+              <a:buNone/>
+              <a:defRPr sz="924" b="1"/>
             </a:lvl8pPr>
-            <a:lvl9pPr marL="2743200" indent="0">
-              <a:buNone/>
-              <a:defRPr sz="1200" b="1"/>
+            <a:lvl9pPr marL="2111532" indent="0">
+              <a:buNone/>
+              <a:defRPr sz="924" b="1"/>
             </a:lvl9pPr>
           </a:lstStyle>
           <a:p>
@@ -1424,8 +1424,8 @@
         </p:nvSpPr>
         <p:spPr>
           <a:xfrm>
-            <a:off x="629842" y="2103799"/>
-            <a:ext cx="3868340" cy="3094372"/>
+            <a:off x="629842" y="1446217"/>
+            <a:ext cx="3868340" cy="2127167"/>
           </a:xfrm>
         </p:spPr>
         <p:txBody>
@@ -1481,8 +1481,8 @@
         </p:nvSpPr>
         <p:spPr>
           <a:xfrm>
-            <a:off x="4629150" y="1411865"/>
-            <a:ext cx="3887391" cy="691934"/>
+            <a:off x="4629150" y="970560"/>
+            <a:ext cx="3887391" cy="475657"/>
           </a:xfrm>
         </p:spPr>
         <p:txBody>
@@ -1490,39 +1490,39 @@
           <a:lstStyle>
             <a:lvl1pPr marL="0" indent="0">
               <a:buNone/>
-              <a:defRPr sz="1800" b="1"/>
+              <a:defRPr sz="1386" b="1"/>
             </a:lvl1pPr>
-            <a:lvl2pPr marL="342900" indent="0">
-              <a:buNone/>
-              <a:defRPr sz="1500" b="1"/>
+            <a:lvl2pPr marL="263942" indent="0">
+              <a:buNone/>
+              <a:defRPr sz="1155" b="1"/>
             </a:lvl2pPr>
-            <a:lvl3pPr marL="685800" indent="0">
-              <a:buNone/>
-              <a:defRPr sz="1350" b="1"/>
+            <a:lvl3pPr marL="527883" indent="0">
+              <a:buNone/>
+              <a:defRPr sz="1039" b="1"/>
             </a:lvl3pPr>
-            <a:lvl4pPr marL="1028700" indent="0">
-              <a:buNone/>
-              <a:defRPr sz="1200" b="1"/>
+            <a:lvl4pPr marL="791825" indent="0">
+              <a:buNone/>
+              <a:defRPr sz="924" b="1"/>
             </a:lvl4pPr>
-            <a:lvl5pPr marL="1371600" indent="0">
-              <a:buNone/>
-              <a:defRPr sz="1200" b="1"/>
+            <a:lvl5pPr marL="1055766" indent="0">
+              <a:buNone/>
+              <a:defRPr sz="924" b="1"/>
             </a:lvl5pPr>
-            <a:lvl6pPr marL="1714500" indent="0">
-              <a:buNone/>
-              <a:defRPr sz="1200" b="1"/>
+            <a:lvl6pPr marL="1319708" indent="0">
+              <a:buNone/>
+              <a:defRPr sz="924" b="1"/>
             </a:lvl6pPr>
-            <a:lvl7pPr marL="2057400" indent="0">
-              <a:buNone/>
-              <a:defRPr sz="1200" b="1"/>
+            <a:lvl7pPr marL="1583649" indent="0">
+              <a:buNone/>
+              <a:defRPr sz="924" b="1"/>
             </a:lvl7pPr>
-            <a:lvl8pPr marL="2400300" indent="0">
-              <a:buNone/>
-              <a:defRPr sz="1200" b="1"/>
+            <a:lvl8pPr marL="1847591" indent="0">
+              <a:buNone/>
+              <a:defRPr sz="924" b="1"/>
             </a:lvl8pPr>
-            <a:lvl9pPr marL="2743200" indent="0">
-              <a:buNone/>
-              <a:defRPr sz="1200" b="1"/>
+            <a:lvl9pPr marL="2111532" indent="0">
+              <a:buNone/>
+              <a:defRPr sz="924" b="1"/>
             </a:lvl9pPr>
           </a:lstStyle>
           <a:p>
@@ -1546,8 +1546,8 @@
         </p:nvSpPr>
         <p:spPr>
           <a:xfrm>
-            <a:off x="4629150" y="2103799"/>
-            <a:ext cx="3887391" cy="3094372"/>
+            <a:off x="4629150" y="1446217"/>
+            <a:ext cx="3887391" cy="2127167"/>
           </a:xfrm>
         </p:spPr>
         <p:txBody>
@@ -1608,7 +1608,7 @@
           <a:p>
             <a:fld id="{54FB5702-4C46-4803-8640-AC94616135D0}" type="datetimeFigureOut">
               <a:rPr lang="es-CL" smtClean="0"/>
-              <a:t>20-04-2020</a:t>
+              <a:t>25-07-2020</a:t>
             </a:fld>
             <a:endParaRPr lang="es-CL"/>
           </a:p>
@@ -1659,7 +1659,7 @@
     </p:spTree>
     <p:extLst>
       <p:ext uri="{BB962C8B-B14F-4D97-AF65-F5344CB8AC3E}">
-        <p14:creationId xmlns:p14="http://schemas.microsoft.com/office/powerpoint/2010/main" val="186286513"/>
+        <p14:creationId xmlns:p14="http://schemas.microsoft.com/office/powerpoint/2010/main" val="1295352634"/>
       </p:ext>
     </p:extLst>
   </p:cSld>
@@ -1726,7 +1726,7 @@
           <a:p>
             <a:fld id="{54FB5702-4C46-4803-8640-AC94616135D0}" type="datetimeFigureOut">
               <a:rPr lang="es-CL" smtClean="0"/>
-              <a:t>20-04-2020</a:t>
+              <a:t>25-07-2020</a:t>
             </a:fld>
             <a:endParaRPr lang="es-CL"/>
           </a:p>
@@ -1777,7 +1777,7 @@
     </p:spTree>
     <p:extLst>
       <p:ext uri="{BB962C8B-B14F-4D97-AF65-F5344CB8AC3E}">
-        <p14:creationId xmlns:p14="http://schemas.microsoft.com/office/powerpoint/2010/main" val="895992188"/>
+        <p14:creationId xmlns:p14="http://schemas.microsoft.com/office/powerpoint/2010/main" val="3697998331"/>
       </p:ext>
     </p:extLst>
   </p:cSld>
@@ -1821,7 +1821,7 @@
           <a:p>
             <a:fld id="{54FB5702-4C46-4803-8640-AC94616135D0}" type="datetimeFigureOut">
               <a:rPr lang="es-CL" smtClean="0"/>
-              <a:t>20-04-2020</a:t>
+              <a:t>25-07-2020</a:t>
             </a:fld>
             <a:endParaRPr lang="es-CL"/>
           </a:p>
@@ -1872,7 +1872,7 @@
     </p:spTree>
     <p:extLst>
       <p:ext uri="{BB962C8B-B14F-4D97-AF65-F5344CB8AC3E}">
-        <p14:creationId xmlns:p14="http://schemas.microsoft.com/office/powerpoint/2010/main" val="3534076919"/>
+        <p14:creationId xmlns:p14="http://schemas.microsoft.com/office/powerpoint/2010/main" val="2193933941"/>
       </p:ext>
     </p:extLst>
   </p:cSld>
@@ -1911,15 +1911,15 @@
         </p:nvSpPr>
         <p:spPr>
           <a:xfrm>
-            <a:off x="629841" y="383963"/>
-            <a:ext cx="2949178" cy="1343872"/>
+            <a:off x="629841" y="263948"/>
+            <a:ext cx="2949178" cy="923819"/>
           </a:xfrm>
         </p:spPr>
         <p:txBody>
           <a:bodyPr anchor="b"/>
           <a:lstStyle>
             <a:lvl1pPr>
-              <a:defRPr sz="2400"/>
+              <a:defRPr sz="1847"/>
             </a:lvl1pPr>
           </a:lstStyle>
           <a:p>
@@ -1943,39 +1943,39 @@
         </p:nvSpPr>
         <p:spPr>
           <a:xfrm>
-            <a:off x="3887391" y="829255"/>
-            <a:ext cx="4629150" cy="4092942"/>
+            <a:off x="3887391" y="570055"/>
+            <a:ext cx="4629150" cy="2813616"/>
           </a:xfrm>
         </p:spPr>
         <p:txBody>
           <a:bodyPr/>
           <a:lstStyle>
             <a:lvl1pPr>
-              <a:defRPr sz="2400"/>
+              <a:defRPr sz="1847"/>
             </a:lvl1pPr>
             <a:lvl2pPr>
-              <a:defRPr sz="2100"/>
+              <a:defRPr sz="1616"/>
             </a:lvl2pPr>
             <a:lvl3pPr>
-              <a:defRPr sz="1800"/>
+              <a:defRPr sz="1386"/>
             </a:lvl3pPr>
             <a:lvl4pPr>
-              <a:defRPr sz="1500"/>
+              <a:defRPr sz="1155"/>
             </a:lvl4pPr>
             <a:lvl5pPr>
-              <a:defRPr sz="1500"/>
+              <a:defRPr sz="1155"/>
             </a:lvl5pPr>
             <a:lvl6pPr>
-              <a:defRPr sz="1500"/>
+              <a:defRPr sz="1155"/>
             </a:lvl6pPr>
             <a:lvl7pPr>
-              <a:defRPr sz="1500"/>
+              <a:defRPr sz="1155"/>
             </a:lvl7pPr>
             <a:lvl8pPr>
-              <a:defRPr sz="1500"/>
+              <a:defRPr sz="1155"/>
             </a:lvl8pPr>
             <a:lvl9pPr>
-              <a:defRPr sz="1500"/>
+              <a:defRPr sz="1155"/>
             </a:lvl9pPr>
           </a:lstStyle>
           <a:p>
@@ -2028,8 +2028,8 @@
         </p:nvSpPr>
         <p:spPr>
           <a:xfrm>
-            <a:off x="629841" y="1727835"/>
-            <a:ext cx="2949178" cy="3201028"/>
+            <a:off x="629841" y="1187768"/>
+            <a:ext cx="2949178" cy="2200486"/>
           </a:xfrm>
         </p:spPr>
         <p:txBody>
@@ -2037,39 +2037,39 @@
           <a:lstStyle>
             <a:lvl1pPr marL="0" indent="0">
               <a:buNone/>
-              <a:defRPr sz="1200"/>
+              <a:defRPr sz="924"/>
             </a:lvl1pPr>
-            <a:lvl2pPr marL="342900" indent="0">
-              <a:buNone/>
-              <a:defRPr sz="1050"/>
+            <a:lvl2pPr marL="263942" indent="0">
+              <a:buNone/>
+              <a:defRPr sz="808"/>
             </a:lvl2pPr>
-            <a:lvl3pPr marL="685800" indent="0">
-              <a:buNone/>
-              <a:defRPr sz="900"/>
+            <a:lvl3pPr marL="527883" indent="0">
+              <a:buNone/>
+              <a:defRPr sz="693"/>
             </a:lvl3pPr>
-            <a:lvl4pPr marL="1028700" indent="0">
-              <a:buNone/>
-              <a:defRPr sz="750"/>
+            <a:lvl4pPr marL="791825" indent="0">
+              <a:buNone/>
+              <a:defRPr sz="577"/>
             </a:lvl4pPr>
-            <a:lvl5pPr marL="1371600" indent="0">
-              <a:buNone/>
-              <a:defRPr sz="750"/>
+            <a:lvl5pPr marL="1055766" indent="0">
+              <a:buNone/>
+              <a:defRPr sz="577"/>
             </a:lvl5pPr>
-            <a:lvl6pPr marL="1714500" indent="0">
-              <a:buNone/>
-              <a:defRPr sz="750"/>
+            <a:lvl6pPr marL="1319708" indent="0">
+              <a:buNone/>
+              <a:defRPr sz="577"/>
             </a:lvl6pPr>
-            <a:lvl7pPr marL="2057400" indent="0">
-              <a:buNone/>
-              <a:defRPr sz="750"/>
+            <a:lvl7pPr marL="1583649" indent="0">
+              <a:buNone/>
+              <a:defRPr sz="577"/>
             </a:lvl7pPr>
-            <a:lvl8pPr marL="2400300" indent="0">
-              <a:buNone/>
-              <a:defRPr sz="750"/>
+            <a:lvl8pPr marL="1847591" indent="0">
+              <a:buNone/>
+              <a:defRPr sz="577"/>
             </a:lvl8pPr>
-            <a:lvl9pPr marL="2743200" indent="0">
-              <a:buNone/>
-              <a:defRPr sz="750"/>
+            <a:lvl9pPr marL="2111532" indent="0">
+              <a:buNone/>
+              <a:defRPr sz="577"/>
             </a:lvl9pPr>
           </a:lstStyle>
           <a:p>
@@ -2098,7 +2098,7 @@
           <a:p>
             <a:fld id="{54FB5702-4C46-4803-8640-AC94616135D0}" type="datetimeFigureOut">
               <a:rPr lang="es-CL" smtClean="0"/>
-              <a:t>20-04-2020</a:t>
+              <a:t>25-07-2020</a:t>
             </a:fld>
             <a:endParaRPr lang="es-CL"/>
           </a:p>
@@ -2149,7 +2149,7 @@
     </p:spTree>
     <p:extLst>
       <p:ext uri="{BB962C8B-B14F-4D97-AF65-F5344CB8AC3E}">
-        <p14:creationId xmlns:p14="http://schemas.microsoft.com/office/powerpoint/2010/main" val="380624055"/>
+        <p14:creationId xmlns:p14="http://schemas.microsoft.com/office/powerpoint/2010/main" val="844102380"/>
       </p:ext>
     </p:extLst>
   </p:cSld>
@@ -2188,15 +2188,15 @@
         </p:nvSpPr>
         <p:spPr>
           <a:xfrm>
-            <a:off x="629841" y="383963"/>
-            <a:ext cx="2949178" cy="1343872"/>
+            <a:off x="629841" y="263948"/>
+            <a:ext cx="2949178" cy="923819"/>
           </a:xfrm>
         </p:spPr>
         <p:txBody>
           <a:bodyPr anchor="b"/>
           <a:lstStyle>
             <a:lvl1pPr>
-              <a:defRPr sz="2400"/>
+              <a:defRPr sz="1847"/>
             </a:lvl1pPr>
           </a:lstStyle>
           <a:p>
@@ -2220,8 +2220,8 @@
         </p:nvSpPr>
         <p:spPr>
           <a:xfrm>
-            <a:off x="3887391" y="829255"/>
-            <a:ext cx="4629150" cy="4092942"/>
+            <a:off x="3887391" y="570055"/>
+            <a:ext cx="4629150" cy="2813616"/>
           </a:xfrm>
         </p:spPr>
         <p:txBody>
@@ -2229,39 +2229,39 @@
           <a:lstStyle>
             <a:lvl1pPr marL="0" indent="0">
               <a:buNone/>
-              <a:defRPr sz="2400"/>
+              <a:defRPr sz="1847"/>
             </a:lvl1pPr>
-            <a:lvl2pPr marL="342900" indent="0">
-              <a:buNone/>
-              <a:defRPr sz="2100"/>
+            <a:lvl2pPr marL="263942" indent="0">
+              <a:buNone/>
+              <a:defRPr sz="1616"/>
             </a:lvl2pPr>
-            <a:lvl3pPr marL="685800" indent="0">
-              <a:buNone/>
-              <a:defRPr sz="1800"/>
+            <a:lvl3pPr marL="527883" indent="0">
+              <a:buNone/>
+              <a:defRPr sz="1386"/>
             </a:lvl3pPr>
-            <a:lvl4pPr marL="1028700" indent="0">
-              <a:buNone/>
-              <a:defRPr sz="1500"/>
+            <a:lvl4pPr marL="791825" indent="0">
+              <a:buNone/>
+              <a:defRPr sz="1155"/>
             </a:lvl4pPr>
-            <a:lvl5pPr marL="1371600" indent="0">
-              <a:buNone/>
-              <a:defRPr sz="1500"/>
+            <a:lvl5pPr marL="1055766" indent="0">
+              <a:buNone/>
+              <a:defRPr sz="1155"/>
             </a:lvl5pPr>
-            <a:lvl6pPr marL="1714500" indent="0">
-              <a:buNone/>
-              <a:defRPr sz="1500"/>
+            <a:lvl6pPr marL="1319708" indent="0">
+              <a:buNone/>
+              <a:defRPr sz="1155"/>
             </a:lvl6pPr>
-            <a:lvl7pPr marL="2057400" indent="0">
-              <a:buNone/>
-              <a:defRPr sz="1500"/>
+            <a:lvl7pPr marL="1583649" indent="0">
+              <a:buNone/>
+              <a:defRPr sz="1155"/>
             </a:lvl7pPr>
-            <a:lvl8pPr marL="2400300" indent="0">
-              <a:buNone/>
-              <a:defRPr sz="1500"/>
+            <a:lvl8pPr marL="1847591" indent="0">
+              <a:buNone/>
+              <a:defRPr sz="1155"/>
             </a:lvl8pPr>
-            <a:lvl9pPr marL="2743200" indent="0">
-              <a:buNone/>
-              <a:defRPr sz="1500"/>
+            <a:lvl9pPr marL="2111532" indent="0">
+              <a:buNone/>
+              <a:defRPr sz="1155"/>
             </a:lvl9pPr>
           </a:lstStyle>
           <a:p>
@@ -2285,8 +2285,8 @@
         </p:nvSpPr>
         <p:spPr>
           <a:xfrm>
-            <a:off x="629841" y="1727835"/>
-            <a:ext cx="2949178" cy="3201028"/>
+            <a:off x="629841" y="1187768"/>
+            <a:ext cx="2949178" cy="2200486"/>
           </a:xfrm>
         </p:spPr>
         <p:txBody>
@@ -2294,39 +2294,39 @@
           <a:lstStyle>
             <a:lvl1pPr marL="0" indent="0">
               <a:buNone/>
-              <a:defRPr sz="1200"/>
+              <a:defRPr sz="924"/>
             </a:lvl1pPr>
-            <a:lvl2pPr marL="342900" indent="0">
-              <a:buNone/>
-              <a:defRPr sz="1050"/>
+            <a:lvl2pPr marL="263942" indent="0">
+              <a:buNone/>
+              <a:defRPr sz="808"/>
             </a:lvl2pPr>
-            <a:lvl3pPr marL="685800" indent="0">
-              <a:buNone/>
-              <a:defRPr sz="900"/>
+            <a:lvl3pPr marL="527883" indent="0">
+              <a:buNone/>
+              <a:defRPr sz="693"/>
             </a:lvl3pPr>
-            <a:lvl4pPr marL="1028700" indent="0">
-              <a:buNone/>
-              <a:defRPr sz="750"/>
+            <a:lvl4pPr marL="791825" indent="0">
+              <a:buNone/>
+              <a:defRPr sz="577"/>
             </a:lvl4pPr>
-            <a:lvl5pPr marL="1371600" indent="0">
-              <a:buNone/>
-              <a:defRPr sz="750"/>
+            <a:lvl5pPr marL="1055766" indent="0">
+              <a:buNone/>
+              <a:defRPr sz="577"/>
             </a:lvl5pPr>
-            <a:lvl6pPr marL="1714500" indent="0">
-              <a:buNone/>
-              <a:defRPr sz="750"/>
+            <a:lvl6pPr marL="1319708" indent="0">
+              <a:buNone/>
+              <a:defRPr sz="577"/>
             </a:lvl6pPr>
-            <a:lvl7pPr marL="2057400" indent="0">
-              <a:buNone/>
-              <a:defRPr sz="750"/>
+            <a:lvl7pPr marL="1583649" indent="0">
+              <a:buNone/>
+              <a:defRPr sz="577"/>
             </a:lvl7pPr>
-            <a:lvl8pPr marL="2400300" indent="0">
-              <a:buNone/>
-              <a:defRPr sz="750"/>
+            <a:lvl8pPr marL="1847591" indent="0">
+              <a:buNone/>
+              <a:defRPr sz="577"/>
             </a:lvl8pPr>
-            <a:lvl9pPr marL="2743200" indent="0">
-              <a:buNone/>
-              <a:defRPr sz="750"/>
+            <a:lvl9pPr marL="2111532" indent="0">
+              <a:buNone/>
+              <a:defRPr sz="577"/>
             </a:lvl9pPr>
           </a:lstStyle>
           <a:p>
@@ -2355,7 +2355,7 @@
           <a:p>
             <a:fld id="{54FB5702-4C46-4803-8640-AC94616135D0}" type="datetimeFigureOut">
               <a:rPr lang="es-CL" smtClean="0"/>
-              <a:t>20-04-2020</a:t>
+              <a:t>25-07-2020</a:t>
             </a:fld>
             <a:endParaRPr lang="es-CL"/>
           </a:p>
@@ -2406,7 +2406,7 @@
     </p:spTree>
     <p:extLst>
       <p:ext uri="{BB962C8B-B14F-4D97-AF65-F5344CB8AC3E}">
-        <p14:creationId xmlns:p14="http://schemas.microsoft.com/office/powerpoint/2010/main" val="374062109"/>
+        <p14:creationId xmlns:p14="http://schemas.microsoft.com/office/powerpoint/2010/main" val="3320868214"/>
       </p:ext>
     </p:extLst>
   </p:cSld>
@@ -2450,8 +2450,8 @@
         </p:nvSpPr>
         <p:spPr>
           <a:xfrm>
-            <a:off x="628650" y="306638"/>
-            <a:ext cx="7886700" cy="1113227"/>
+            <a:off x="628650" y="210792"/>
+            <a:ext cx="7886700" cy="765267"/>
           </a:xfrm>
           <a:prstGeom prst="rect">
             <a:avLst/>
@@ -2483,8 +2483,8 @@
         </p:nvSpPr>
         <p:spPr>
           <a:xfrm>
-            <a:off x="628650" y="1533187"/>
-            <a:ext cx="7886700" cy="3654318"/>
+            <a:off x="628650" y="1053960"/>
+            <a:ext cx="7886700" cy="2512092"/>
           </a:xfrm>
           <a:prstGeom prst="rect">
             <a:avLst/>
@@ -2545,8 +2545,8 @@
         </p:nvSpPr>
         <p:spPr>
           <a:xfrm>
-            <a:off x="628650" y="5338158"/>
-            <a:ext cx="2057400" cy="306637"/>
+            <a:off x="628650" y="3669615"/>
+            <a:ext cx="2057400" cy="210792"/>
           </a:xfrm>
           <a:prstGeom prst="rect">
             <a:avLst/>
@@ -2556,7 +2556,7 @@
           <a:bodyPr vert="horz" lIns="91440" tIns="45720" rIns="91440" bIns="45720" rtlCol="0" anchor="ctr"/>
           <a:lstStyle>
             <a:lvl1pPr algn="l">
-              <a:defRPr sz="900">
+              <a:defRPr sz="693">
                 <a:solidFill>
                   <a:schemeClr val="tx1">
                     <a:tint val="75000"/>
@@ -2568,7 +2568,7 @@
           <a:p>
             <a:fld id="{54FB5702-4C46-4803-8640-AC94616135D0}" type="datetimeFigureOut">
               <a:rPr lang="es-CL" smtClean="0"/>
-              <a:t>20-04-2020</a:t>
+              <a:t>25-07-2020</a:t>
             </a:fld>
             <a:endParaRPr lang="es-CL"/>
           </a:p>
@@ -2586,8 +2586,8 @@
         </p:nvSpPr>
         <p:spPr>
           <a:xfrm>
-            <a:off x="3028950" y="5338158"/>
-            <a:ext cx="3086100" cy="306637"/>
+            <a:off x="3028950" y="3669615"/>
+            <a:ext cx="3086100" cy="210792"/>
           </a:xfrm>
           <a:prstGeom prst="rect">
             <a:avLst/>
@@ -2597,7 +2597,7 @@
           <a:bodyPr vert="horz" lIns="91440" tIns="45720" rIns="91440" bIns="45720" rtlCol="0" anchor="ctr"/>
           <a:lstStyle>
             <a:lvl1pPr algn="ctr">
-              <a:defRPr sz="900">
+              <a:defRPr sz="693">
                 <a:solidFill>
                   <a:schemeClr val="tx1">
                     <a:tint val="75000"/>
@@ -2623,8 +2623,8 @@
         </p:nvSpPr>
         <p:spPr>
           <a:xfrm>
-            <a:off x="6457950" y="5338158"/>
-            <a:ext cx="2057400" cy="306637"/>
+            <a:off x="6457950" y="3669615"/>
+            <a:ext cx="2057400" cy="210792"/>
           </a:xfrm>
           <a:prstGeom prst="rect">
             <a:avLst/>
@@ -2634,7 +2634,7 @@
           <a:bodyPr vert="horz" lIns="91440" tIns="45720" rIns="91440" bIns="45720" rtlCol="0" anchor="ctr"/>
           <a:lstStyle>
             <a:lvl1pPr algn="r">
-              <a:defRPr sz="900">
+              <a:defRPr sz="693">
                 <a:solidFill>
                   <a:schemeClr val="tx1">
                     <a:tint val="75000"/>
@@ -2655,27 +2655,27 @@
     </p:spTree>
     <p:extLst>
       <p:ext uri="{BB962C8B-B14F-4D97-AF65-F5344CB8AC3E}">
-        <p14:creationId xmlns:p14="http://schemas.microsoft.com/office/powerpoint/2010/main" val="3543582921"/>
+        <p14:creationId xmlns:p14="http://schemas.microsoft.com/office/powerpoint/2010/main" val="1808833508"/>
       </p:ext>
     </p:extLst>
   </p:cSld>
   <p:clrMap bg1="lt1" tx1="dk1" bg2="lt2" tx2="dk2" accent1="accent1" accent2="accent2" accent3="accent3" accent4="accent4" accent5="accent5" accent6="accent6" hlink="hlink" folHlink="folHlink"/>
   <p:sldLayoutIdLst>
-    <p:sldLayoutId id="2147483697" r:id="rId1"/>
-    <p:sldLayoutId id="2147483698" r:id="rId2"/>
-    <p:sldLayoutId id="2147483699" r:id="rId3"/>
-    <p:sldLayoutId id="2147483700" r:id="rId4"/>
-    <p:sldLayoutId id="2147483701" r:id="rId5"/>
-    <p:sldLayoutId id="2147483702" r:id="rId6"/>
-    <p:sldLayoutId id="2147483703" r:id="rId7"/>
-    <p:sldLayoutId id="2147483704" r:id="rId8"/>
-    <p:sldLayoutId id="2147483705" r:id="rId9"/>
-    <p:sldLayoutId id="2147483706" r:id="rId10"/>
-    <p:sldLayoutId id="2147483707" r:id="rId11"/>
+    <p:sldLayoutId id="2147483709" r:id="rId1"/>
+    <p:sldLayoutId id="2147483710" r:id="rId2"/>
+    <p:sldLayoutId id="2147483711" r:id="rId3"/>
+    <p:sldLayoutId id="2147483712" r:id="rId4"/>
+    <p:sldLayoutId id="2147483713" r:id="rId5"/>
+    <p:sldLayoutId id="2147483714" r:id="rId6"/>
+    <p:sldLayoutId id="2147483715" r:id="rId7"/>
+    <p:sldLayoutId id="2147483716" r:id="rId8"/>
+    <p:sldLayoutId id="2147483717" r:id="rId9"/>
+    <p:sldLayoutId id="2147483718" r:id="rId10"/>
+    <p:sldLayoutId id="2147483719" r:id="rId11"/>
   </p:sldLayoutIdLst>
   <p:txStyles>
     <p:titleStyle>
-      <a:lvl1pPr algn="l" defTabSz="685800" rtl="0" eaLnBrk="1" latinLnBrk="0" hangingPunct="1">
+      <a:lvl1pPr algn="l" defTabSz="527883" rtl="0" eaLnBrk="1" latinLnBrk="0" hangingPunct="1">
         <a:lnSpc>
           <a:spcPct val="90000"/>
         </a:lnSpc>
@@ -2683,7 +2683,7 @@
           <a:spcPct val="0"/>
         </a:spcBef>
         <a:buNone/>
-        <a:defRPr sz="3300" kern="1200">
+        <a:defRPr sz="2540" kern="1200">
           <a:solidFill>
             <a:schemeClr val="tx1"/>
           </a:solidFill>
@@ -2694,16 +2694,16 @@
       </a:lvl1pPr>
     </p:titleStyle>
     <p:bodyStyle>
-      <a:lvl1pPr marL="171450" indent="-171450" algn="l" defTabSz="685800" rtl="0" eaLnBrk="1" latinLnBrk="0" hangingPunct="1">
+      <a:lvl1pPr marL="131971" indent="-131971" algn="l" defTabSz="527883" rtl="0" eaLnBrk="1" latinLnBrk="0" hangingPunct="1">
         <a:lnSpc>
           <a:spcPct val="90000"/>
         </a:lnSpc>
         <a:spcBef>
-          <a:spcPts val="750"/>
+          <a:spcPts val="577"/>
         </a:spcBef>
         <a:buFont typeface="Arial" panose="020B0604020202020204" pitchFamily="34" charset="0"/>
         <a:buChar char="•"/>
-        <a:defRPr sz="2100" kern="1200">
+        <a:defRPr sz="1616" kern="1200">
           <a:solidFill>
             <a:schemeClr val="tx1"/>
           </a:solidFill>
@@ -2712,16 +2712,16 @@
           <a:cs typeface="+mn-cs"/>
         </a:defRPr>
       </a:lvl1pPr>
-      <a:lvl2pPr marL="514350" indent="-171450" algn="l" defTabSz="685800" rtl="0" eaLnBrk="1" latinLnBrk="0" hangingPunct="1">
+      <a:lvl2pPr marL="395912" indent="-131971" algn="l" defTabSz="527883" rtl="0" eaLnBrk="1" latinLnBrk="0" hangingPunct="1">
         <a:lnSpc>
           <a:spcPct val="90000"/>
         </a:lnSpc>
         <a:spcBef>
-          <a:spcPts val="375"/>
+          <a:spcPts val="289"/>
         </a:spcBef>
         <a:buFont typeface="Arial" panose="020B0604020202020204" pitchFamily="34" charset="0"/>
         <a:buChar char="•"/>
-        <a:defRPr sz="1800" kern="1200">
+        <a:defRPr sz="1386" kern="1200">
           <a:solidFill>
             <a:schemeClr val="tx1"/>
           </a:solidFill>
@@ -2730,16 +2730,16 @@
           <a:cs typeface="+mn-cs"/>
         </a:defRPr>
       </a:lvl2pPr>
-      <a:lvl3pPr marL="857250" indent="-171450" algn="l" defTabSz="685800" rtl="0" eaLnBrk="1" latinLnBrk="0" hangingPunct="1">
+      <a:lvl3pPr marL="659854" indent="-131971" algn="l" defTabSz="527883" rtl="0" eaLnBrk="1" latinLnBrk="0" hangingPunct="1">
         <a:lnSpc>
           <a:spcPct val="90000"/>
         </a:lnSpc>
         <a:spcBef>
-          <a:spcPts val="375"/>
+          <a:spcPts val="289"/>
         </a:spcBef>
         <a:buFont typeface="Arial" panose="020B0604020202020204" pitchFamily="34" charset="0"/>
         <a:buChar char="•"/>
-        <a:defRPr sz="1500" kern="1200">
+        <a:defRPr sz="1155" kern="1200">
           <a:solidFill>
             <a:schemeClr val="tx1"/>
           </a:solidFill>
@@ -2748,16 +2748,16 @@
           <a:cs typeface="+mn-cs"/>
         </a:defRPr>
       </a:lvl3pPr>
-      <a:lvl4pPr marL="1200150" indent="-171450" algn="l" defTabSz="685800" rtl="0" eaLnBrk="1" latinLnBrk="0" hangingPunct="1">
+      <a:lvl4pPr marL="923795" indent="-131971" algn="l" defTabSz="527883" rtl="0" eaLnBrk="1" latinLnBrk="0" hangingPunct="1">
         <a:lnSpc>
           <a:spcPct val="90000"/>
         </a:lnSpc>
         <a:spcBef>
-          <a:spcPts val="375"/>
+          <a:spcPts val="289"/>
         </a:spcBef>
         <a:buFont typeface="Arial" panose="020B0604020202020204" pitchFamily="34" charset="0"/>
         <a:buChar char="•"/>
-        <a:defRPr sz="1350" kern="1200">
+        <a:defRPr sz="1039" kern="1200">
           <a:solidFill>
             <a:schemeClr val="tx1"/>
           </a:solidFill>
@@ -2766,16 +2766,16 @@
           <a:cs typeface="+mn-cs"/>
         </a:defRPr>
       </a:lvl4pPr>
-      <a:lvl5pPr marL="1543050" indent="-171450" algn="l" defTabSz="685800" rtl="0" eaLnBrk="1" latinLnBrk="0" hangingPunct="1">
+      <a:lvl5pPr marL="1187737" indent="-131971" algn="l" defTabSz="527883" rtl="0" eaLnBrk="1" latinLnBrk="0" hangingPunct="1">
         <a:lnSpc>
           <a:spcPct val="90000"/>
         </a:lnSpc>
         <a:spcBef>
-          <a:spcPts val="375"/>
+          <a:spcPts val="289"/>
         </a:spcBef>
         <a:buFont typeface="Arial" panose="020B0604020202020204" pitchFamily="34" charset="0"/>
         <a:buChar char="•"/>
-        <a:defRPr sz="1350" kern="1200">
+        <a:defRPr sz="1039" kern="1200">
           <a:solidFill>
             <a:schemeClr val="tx1"/>
           </a:solidFill>
@@ -2784,16 +2784,16 @@
           <a:cs typeface="+mn-cs"/>
         </a:defRPr>
       </a:lvl5pPr>
-      <a:lvl6pPr marL="1885950" indent="-171450" algn="l" defTabSz="685800" rtl="0" eaLnBrk="1" latinLnBrk="0" hangingPunct="1">
+      <a:lvl6pPr marL="1451679" indent="-131971" algn="l" defTabSz="527883" rtl="0" eaLnBrk="1" latinLnBrk="0" hangingPunct="1">
         <a:lnSpc>
           <a:spcPct val="90000"/>
         </a:lnSpc>
         <a:spcBef>
-          <a:spcPts val="375"/>
+          <a:spcPts val="289"/>
         </a:spcBef>
         <a:buFont typeface="Arial" panose="020B0604020202020204" pitchFamily="34" charset="0"/>
         <a:buChar char="•"/>
-        <a:defRPr sz="1350" kern="1200">
+        <a:defRPr sz="1039" kern="1200">
           <a:solidFill>
             <a:schemeClr val="tx1"/>
           </a:solidFill>
@@ -2802,16 +2802,16 @@
           <a:cs typeface="+mn-cs"/>
         </a:defRPr>
       </a:lvl6pPr>
-      <a:lvl7pPr marL="2228850" indent="-171450" algn="l" defTabSz="685800" rtl="0" eaLnBrk="1" latinLnBrk="0" hangingPunct="1">
+      <a:lvl7pPr marL="1715620" indent="-131971" algn="l" defTabSz="527883" rtl="0" eaLnBrk="1" latinLnBrk="0" hangingPunct="1">
         <a:lnSpc>
           <a:spcPct val="90000"/>
         </a:lnSpc>
         <a:spcBef>
-          <a:spcPts val="375"/>
+          <a:spcPts val="289"/>
         </a:spcBef>
         <a:buFont typeface="Arial" panose="020B0604020202020204" pitchFamily="34" charset="0"/>
         <a:buChar char="•"/>
-        <a:defRPr sz="1350" kern="1200">
+        <a:defRPr sz="1039" kern="1200">
           <a:solidFill>
             <a:schemeClr val="tx1"/>
           </a:solidFill>
@@ -2820,16 +2820,16 @@
           <a:cs typeface="+mn-cs"/>
         </a:defRPr>
       </a:lvl7pPr>
-      <a:lvl8pPr marL="2571750" indent="-171450" algn="l" defTabSz="685800" rtl="0" eaLnBrk="1" latinLnBrk="0" hangingPunct="1">
+      <a:lvl8pPr marL="1979562" indent="-131971" algn="l" defTabSz="527883" rtl="0" eaLnBrk="1" latinLnBrk="0" hangingPunct="1">
         <a:lnSpc>
           <a:spcPct val="90000"/>
         </a:lnSpc>
         <a:spcBef>
-          <a:spcPts val="375"/>
+          <a:spcPts val="289"/>
         </a:spcBef>
         <a:buFont typeface="Arial" panose="020B0604020202020204" pitchFamily="34" charset="0"/>
         <a:buChar char="•"/>
-        <a:defRPr sz="1350" kern="1200">
+        <a:defRPr sz="1039" kern="1200">
           <a:solidFill>
             <a:schemeClr val="tx1"/>
           </a:solidFill>
@@ -2838,16 +2838,16 @@
           <a:cs typeface="+mn-cs"/>
         </a:defRPr>
       </a:lvl8pPr>
-      <a:lvl9pPr marL="2914650" indent="-171450" algn="l" defTabSz="685800" rtl="0" eaLnBrk="1" latinLnBrk="0" hangingPunct="1">
+      <a:lvl9pPr marL="2243503" indent="-131971" algn="l" defTabSz="527883" rtl="0" eaLnBrk="1" latinLnBrk="0" hangingPunct="1">
         <a:lnSpc>
           <a:spcPct val="90000"/>
         </a:lnSpc>
         <a:spcBef>
-          <a:spcPts val="375"/>
+          <a:spcPts val="289"/>
         </a:spcBef>
         <a:buFont typeface="Arial" panose="020B0604020202020204" pitchFamily="34" charset="0"/>
         <a:buChar char="•"/>
-        <a:defRPr sz="1350" kern="1200">
+        <a:defRPr sz="1039" kern="1200">
           <a:solidFill>
             <a:schemeClr val="tx1"/>
           </a:solidFill>
@@ -2861,8 +2861,8 @@
       <a:defPPr>
         <a:defRPr lang="en-US"/>
       </a:defPPr>
-      <a:lvl1pPr marL="0" algn="l" defTabSz="685800" rtl="0" eaLnBrk="1" latinLnBrk="0" hangingPunct="1">
-        <a:defRPr sz="1350" kern="1200">
+      <a:lvl1pPr marL="0" algn="l" defTabSz="527883" rtl="0" eaLnBrk="1" latinLnBrk="0" hangingPunct="1">
+        <a:defRPr sz="1039" kern="1200">
           <a:solidFill>
             <a:schemeClr val="tx1"/>
           </a:solidFill>
@@ -2871,8 +2871,8 @@
           <a:cs typeface="+mn-cs"/>
         </a:defRPr>
       </a:lvl1pPr>
-      <a:lvl2pPr marL="342900" algn="l" defTabSz="685800" rtl="0" eaLnBrk="1" latinLnBrk="0" hangingPunct="1">
-        <a:defRPr sz="1350" kern="1200">
+      <a:lvl2pPr marL="263942" algn="l" defTabSz="527883" rtl="0" eaLnBrk="1" latinLnBrk="0" hangingPunct="1">
+        <a:defRPr sz="1039" kern="1200">
           <a:solidFill>
             <a:schemeClr val="tx1"/>
           </a:solidFill>
@@ -2881,8 +2881,8 @@
           <a:cs typeface="+mn-cs"/>
         </a:defRPr>
       </a:lvl2pPr>
-      <a:lvl3pPr marL="685800" algn="l" defTabSz="685800" rtl="0" eaLnBrk="1" latinLnBrk="0" hangingPunct="1">
-        <a:defRPr sz="1350" kern="1200">
+      <a:lvl3pPr marL="527883" algn="l" defTabSz="527883" rtl="0" eaLnBrk="1" latinLnBrk="0" hangingPunct="1">
+        <a:defRPr sz="1039" kern="1200">
           <a:solidFill>
             <a:schemeClr val="tx1"/>
           </a:solidFill>
@@ -2891,8 +2891,8 @@
           <a:cs typeface="+mn-cs"/>
         </a:defRPr>
       </a:lvl3pPr>
-      <a:lvl4pPr marL="1028700" algn="l" defTabSz="685800" rtl="0" eaLnBrk="1" latinLnBrk="0" hangingPunct="1">
-        <a:defRPr sz="1350" kern="1200">
+      <a:lvl4pPr marL="791825" algn="l" defTabSz="527883" rtl="0" eaLnBrk="1" latinLnBrk="0" hangingPunct="1">
+        <a:defRPr sz="1039" kern="1200">
           <a:solidFill>
             <a:schemeClr val="tx1"/>
           </a:solidFill>
@@ -2901,8 +2901,8 @@
           <a:cs typeface="+mn-cs"/>
         </a:defRPr>
       </a:lvl4pPr>
-      <a:lvl5pPr marL="1371600" algn="l" defTabSz="685800" rtl="0" eaLnBrk="1" latinLnBrk="0" hangingPunct="1">
-        <a:defRPr sz="1350" kern="1200">
+      <a:lvl5pPr marL="1055766" algn="l" defTabSz="527883" rtl="0" eaLnBrk="1" latinLnBrk="0" hangingPunct="1">
+        <a:defRPr sz="1039" kern="1200">
           <a:solidFill>
             <a:schemeClr val="tx1"/>
           </a:solidFill>
@@ -2911,8 +2911,8 @@
           <a:cs typeface="+mn-cs"/>
         </a:defRPr>
       </a:lvl5pPr>
-      <a:lvl6pPr marL="1714500" algn="l" defTabSz="685800" rtl="0" eaLnBrk="1" latinLnBrk="0" hangingPunct="1">
-        <a:defRPr sz="1350" kern="1200">
+      <a:lvl6pPr marL="1319708" algn="l" defTabSz="527883" rtl="0" eaLnBrk="1" latinLnBrk="0" hangingPunct="1">
+        <a:defRPr sz="1039" kern="1200">
           <a:solidFill>
             <a:schemeClr val="tx1"/>
           </a:solidFill>
@@ -2921,8 +2921,8 @@
           <a:cs typeface="+mn-cs"/>
         </a:defRPr>
       </a:lvl6pPr>
-      <a:lvl7pPr marL="2057400" algn="l" defTabSz="685800" rtl="0" eaLnBrk="1" latinLnBrk="0" hangingPunct="1">
-        <a:defRPr sz="1350" kern="1200">
+      <a:lvl7pPr marL="1583649" algn="l" defTabSz="527883" rtl="0" eaLnBrk="1" latinLnBrk="0" hangingPunct="1">
+        <a:defRPr sz="1039" kern="1200">
           <a:solidFill>
             <a:schemeClr val="tx1"/>
           </a:solidFill>
@@ -2931,8 +2931,8 @@
           <a:cs typeface="+mn-cs"/>
         </a:defRPr>
       </a:lvl7pPr>
-      <a:lvl8pPr marL="2400300" algn="l" defTabSz="685800" rtl="0" eaLnBrk="1" latinLnBrk="0" hangingPunct="1">
-        <a:defRPr sz="1350" kern="1200">
+      <a:lvl8pPr marL="1847591" algn="l" defTabSz="527883" rtl="0" eaLnBrk="1" latinLnBrk="0" hangingPunct="1">
+        <a:defRPr sz="1039" kern="1200">
           <a:solidFill>
             <a:schemeClr val="tx1"/>
           </a:solidFill>
@@ -2941,8 +2941,8 @@
           <a:cs typeface="+mn-cs"/>
         </a:defRPr>
       </a:lvl8pPr>
-      <a:lvl9pPr marL="2743200" algn="l" defTabSz="685800" rtl="0" eaLnBrk="1" latinLnBrk="0" hangingPunct="1">
-        <a:defRPr sz="1350" kern="1200">
+      <a:lvl9pPr marL="2111532" algn="l" defTabSz="527883" rtl="0" eaLnBrk="1" latinLnBrk="0" hangingPunct="1">
+        <a:defRPr sz="1039" kern="1200">
           <a:solidFill>
             <a:schemeClr val="tx1"/>
           </a:solidFill>
@@ -2987,8 +2987,8 @@
         </p:nvSpPr>
         <p:spPr>
           <a:xfrm>
-            <a:off x="3894010" y="1176998"/>
-            <a:ext cx="1540842" cy="295915"/>
+            <a:off x="2188333" y="2368477"/>
+            <a:ext cx="1637095" cy="499880"/>
           </a:xfrm>
           <a:prstGeom prst="rect">
             <a:avLst/>
@@ -3017,21 +3017,21 @@
           <a:p>
             <a:pPr algn="ctr"/>
             <a:r>
-              <a:rPr lang="en-GB" sz="1323" dirty="0">
+              <a:rPr lang="es-CL" sz="1324">
                 <a:latin typeface="Times New Roman" panose="02020603050405020304" pitchFamily="18" charset="0"/>
                 <a:cs typeface="Times New Roman" panose="02020603050405020304" pitchFamily="18" charset="0"/>
               </a:rPr>
-              <a:t>Randomization</a:t>
-            </a:r>
-          </a:p>
-        </p:txBody>
-      </p:sp>
-      <p:sp>
-        <p:nvSpPr>
-          <p:cNvPr id="5" name="CuadroTexto 4">
+              <a:t>Cantidad de libros en el hogar</a:t>
+            </a:r>
+          </a:p>
+        </p:txBody>
+      </p:sp>
+      <p:sp>
+        <p:nvSpPr>
+          <p:cNvPr id="6" name="CuadroTexto 5">
             <a:extLst>
               <a:ext uri="{FF2B5EF4-FFF2-40B4-BE49-F238E27FC236}">
-                <a16:creationId xmlns:a16="http://schemas.microsoft.com/office/drawing/2014/main" id="{E38729B3-95C8-40B9-9D16-D9799D652ECC}"/>
+                <a16:creationId xmlns:a16="http://schemas.microsoft.com/office/drawing/2014/main" id="{39BD3987-8126-4CD0-A7D0-72C2204A8D37}"/>
               </a:ext>
             </a:extLst>
           </p:cNvPr>
@@ -3040,8 +3040,8 @@
         </p:nvSpPr>
         <p:spPr>
           <a:xfrm>
-            <a:off x="768407" y="2741716"/>
-            <a:ext cx="2238184" cy="499496"/>
+            <a:off x="4326784" y="1080876"/>
+            <a:ext cx="2238183" cy="499880"/>
           </a:xfrm>
           <a:prstGeom prst="rect">
             <a:avLst/>
@@ -3070,45 +3070,31 @@
           <a:p>
             <a:pPr algn="ctr"/>
             <a:r>
-              <a:rPr lang="en-GB" sz="1323" dirty="0">
+              <a:rPr lang="es-CL" sz="1324" dirty="0">
                 <a:latin typeface="Times New Roman" panose="02020603050405020304" pitchFamily="18" charset="0"/>
                 <a:cs typeface="Times New Roman" panose="02020603050405020304" pitchFamily="18" charset="0"/>
               </a:rPr>
-              <a:t>Group 1 (</a:t>
-            </a:r>
-            <a:r>
-              <a:rPr lang="en-GB" sz="1323" i="1" dirty="0">
+              <a:t>Interés político del</a:t>
+            </a:r>
+          </a:p>
+          <a:p>
+            <a:pPr algn="ctr"/>
+            <a:r>
+              <a:rPr lang="es-CL" sz="1324" dirty="0">
                 <a:latin typeface="Times New Roman" panose="02020603050405020304" pitchFamily="18" charset="0"/>
                 <a:cs typeface="Times New Roman" panose="02020603050405020304" pitchFamily="18" charset="0"/>
               </a:rPr>
-              <a:t>N</a:t>
-            </a:r>
-            <a:r>
-              <a:rPr lang="en-GB" sz="1323" dirty="0">
-                <a:latin typeface="Times New Roman" panose="02020603050405020304" pitchFamily="18" charset="0"/>
-                <a:cs typeface="Times New Roman" panose="02020603050405020304" pitchFamily="18" charset="0"/>
-              </a:rPr>
-              <a:t>=712):</a:t>
-            </a:r>
-          </a:p>
-          <a:p>
-            <a:pPr algn="ctr"/>
-            <a:r>
-              <a:rPr lang="en-GB" sz="1323" dirty="0">
-                <a:latin typeface="Times New Roman" panose="02020603050405020304" pitchFamily="18" charset="0"/>
-                <a:cs typeface="Times New Roman" panose="02020603050405020304" pitchFamily="18" charset="0"/>
-              </a:rPr>
-              <a:t>Perception/Preference</a:t>
-            </a:r>
-          </a:p>
-        </p:txBody>
-      </p:sp>
-      <p:sp>
-        <p:nvSpPr>
-          <p:cNvPr id="6" name="CuadroTexto 5">
+              <a:t> estudiante</a:t>
+            </a:r>
+          </a:p>
+        </p:txBody>
+      </p:sp>
+      <p:sp>
+        <p:nvSpPr>
+          <p:cNvPr id="7" name="CuadroTexto 6">
             <a:extLst>
               <a:ext uri="{FF2B5EF4-FFF2-40B4-BE49-F238E27FC236}">
-                <a16:creationId xmlns:a16="http://schemas.microsoft.com/office/drawing/2014/main" id="{39BD3987-8126-4CD0-A7D0-72C2204A8D37}"/>
+                <a16:creationId xmlns:a16="http://schemas.microsoft.com/office/drawing/2014/main" id="{D6101E3F-6D4B-4818-BB8A-5AFD02D8E365}"/>
               </a:ext>
             </a:extLst>
           </p:cNvPr>
@@ -3117,8 +3103,8 @@
         </p:nvSpPr>
         <p:spPr>
           <a:xfrm>
-            <a:off x="3545344" y="2741716"/>
-            <a:ext cx="2238183" cy="499496"/>
+            <a:off x="4326784" y="2368477"/>
+            <a:ext cx="2238183" cy="499880"/>
           </a:xfrm>
           <a:prstGeom prst="rect">
             <a:avLst/>
@@ -3147,45 +3133,110 @@
           <a:p>
             <a:pPr algn="ctr"/>
             <a:r>
-              <a:rPr lang="en-GB" sz="1323" dirty="0">
+              <a:rPr lang="es-CL" sz="1324" dirty="0">
                 <a:latin typeface="Times New Roman" panose="02020603050405020304" pitchFamily="18" charset="0"/>
                 <a:cs typeface="Times New Roman" panose="02020603050405020304" pitchFamily="18" charset="0"/>
               </a:rPr>
-              <a:t>Group 2 (</a:t>
-            </a:r>
-            <a:r>
-              <a:rPr lang="en-GB" sz="1323" i="1" dirty="0">
-                <a:latin typeface="Times New Roman" panose="02020603050405020304" pitchFamily="18" charset="0"/>
-                <a:cs typeface="Times New Roman" panose="02020603050405020304" pitchFamily="18" charset="0"/>
-              </a:rPr>
-              <a:t>N</a:t>
-            </a:r>
-            <a:r>
-              <a:rPr lang="en-GB" sz="1323" dirty="0">
-                <a:latin typeface="Times New Roman" panose="02020603050405020304" pitchFamily="18" charset="0"/>
-                <a:cs typeface="Times New Roman" panose="02020603050405020304" pitchFamily="18" charset="0"/>
-              </a:rPr>
-              <a:t>=717) :</a:t>
-            </a:r>
-          </a:p>
-          <a:p>
-            <a:pPr algn="ctr"/>
-            <a:r>
-              <a:rPr lang="en-GB" sz="1323" dirty="0">
-                <a:latin typeface="Times New Roman" panose="02020603050405020304" pitchFamily="18" charset="0"/>
-                <a:cs typeface="Times New Roman" panose="02020603050405020304" pitchFamily="18" charset="0"/>
-              </a:rPr>
-              <a:t>Meritocratic/Non-Meritocratic</a:t>
-            </a:r>
-          </a:p>
-        </p:txBody>
-      </p:sp>
-      <p:sp>
-        <p:nvSpPr>
-          <p:cNvPr id="7" name="CuadroTexto 6">
+              <a:t>Habilidades en el manejo del lenguaje del estudiante</a:t>
+            </a:r>
+          </a:p>
+        </p:txBody>
+      </p:sp>
+      <p:cxnSp>
+        <p:nvCxnSpPr>
+          <p:cNvPr id="18" name="Conector recto de flecha 17">
             <a:extLst>
               <a:ext uri="{FF2B5EF4-FFF2-40B4-BE49-F238E27FC236}">
-                <a16:creationId xmlns:a16="http://schemas.microsoft.com/office/drawing/2014/main" id="{D6101E3F-6D4B-4818-BB8A-5AFD02D8E365}"/>
+                <a16:creationId xmlns:a16="http://schemas.microsoft.com/office/drawing/2014/main" id="{DDBB42F5-4A05-4350-8B3E-C1EB7C1A165A}"/>
+              </a:ext>
+            </a:extLst>
+          </p:cNvPr>
+          <p:cNvCxnSpPr>
+            <a:cxnSpLocks/>
+            <a:stCxn id="4" idx="3"/>
+            <a:endCxn id="7" idx="1"/>
+          </p:cNvCxnSpPr>
+          <p:nvPr/>
+        </p:nvCxnSpPr>
+        <p:spPr>
+          <a:xfrm>
+            <a:off x="3825427" y="2618417"/>
+            <a:ext cx="501356" cy="0"/>
+          </a:xfrm>
+          <a:prstGeom prst="straightConnector1">
+            <a:avLst/>
+          </a:prstGeom>
+          <a:ln>
+            <a:solidFill>
+              <a:schemeClr val="tx1"/>
+            </a:solidFill>
+            <a:tailEnd type="triangle"/>
+          </a:ln>
+        </p:spPr>
+        <p:style>
+          <a:lnRef idx="3">
+            <a:schemeClr val="accent2"/>
+          </a:lnRef>
+          <a:fillRef idx="0">
+            <a:schemeClr val="accent2"/>
+          </a:fillRef>
+          <a:effectRef idx="2">
+            <a:schemeClr val="accent2"/>
+          </a:effectRef>
+          <a:fontRef idx="minor">
+            <a:schemeClr val="tx1"/>
+          </a:fontRef>
+        </p:style>
+      </p:cxnSp>
+      <p:cxnSp>
+        <p:nvCxnSpPr>
+          <p:cNvPr id="20" name="Conector recto de flecha 19">
+            <a:extLst>
+              <a:ext uri="{FF2B5EF4-FFF2-40B4-BE49-F238E27FC236}">
+                <a16:creationId xmlns:a16="http://schemas.microsoft.com/office/drawing/2014/main" id="{741CE5BF-9E7D-4BFB-995E-A0BFBC4E0394}"/>
+              </a:ext>
+            </a:extLst>
+          </p:cNvPr>
+          <p:cNvCxnSpPr>
+            <a:cxnSpLocks/>
+            <a:stCxn id="118" idx="3"/>
+            <a:endCxn id="6" idx="1"/>
+          </p:cNvCxnSpPr>
+          <p:nvPr/>
+        </p:nvCxnSpPr>
+        <p:spPr>
+          <a:xfrm flipV="1">
+            <a:off x="3825427" y="1330817"/>
+            <a:ext cx="501356" cy="1"/>
+          </a:xfrm>
+          <a:prstGeom prst="straightConnector1">
+            <a:avLst/>
+          </a:prstGeom>
+          <a:ln>
+            <a:tailEnd type="triangle"/>
+          </a:ln>
+        </p:spPr>
+        <p:style>
+          <a:lnRef idx="1">
+            <a:schemeClr val="dk1"/>
+          </a:lnRef>
+          <a:fillRef idx="0">
+            <a:schemeClr val="dk1"/>
+          </a:fillRef>
+          <a:effectRef idx="0">
+            <a:schemeClr val="dk1"/>
+          </a:effectRef>
+          <a:fontRef idx="minor">
+            <a:schemeClr val="tx1"/>
+          </a:fontRef>
+        </p:style>
+      </p:cxnSp>
+      <p:sp>
+        <p:nvSpPr>
+          <p:cNvPr id="42" name="CuadroTexto 41">
+            <a:extLst>
+              <a:ext uri="{FF2B5EF4-FFF2-40B4-BE49-F238E27FC236}">
+                <a16:creationId xmlns:a16="http://schemas.microsoft.com/office/drawing/2014/main" id="{9570293A-F3BE-47E7-A406-48A1E681CED5}"/>
               </a:ext>
             </a:extLst>
           </p:cNvPr>
@@ -3194,8 +3245,8 @@
         </p:nvSpPr>
         <p:spPr>
           <a:xfrm>
-            <a:off x="6419117" y="2741716"/>
-            <a:ext cx="2238183" cy="499496"/>
+            <a:off x="6996191" y="1761424"/>
+            <a:ext cx="2147809" cy="703654"/>
           </a:xfrm>
           <a:prstGeom prst="rect">
             <a:avLst/>
@@ -3224,45 +3275,110 @@
           <a:p>
             <a:pPr algn="ctr"/>
             <a:r>
-              <a:rPr lang="en-GB" sz="1323" dirty="0">
+              <a:rPr lang="es-CL" sz="1324" dirty="0">
                 <a:latin typeface="Times New Roman" panose="02020603050405020304" pitchFamily="18" charset="0"/>
                 <a:cs typeface="Times New Roman" panose="02020603050405020304" pitchFamily="18" charset="0"/>
               </a:rPr>
-              <a:t>Group 3 (</a:t>
-            </a:r>
-            <a:r>
-              <a:rPr lang="en-GB" sz="1323" i="1" dirty="0">
-                <a:latin typeface="Times New Roman" panose="02020603050405020304" pitchFamily="18" charset="0"/>
-                <a:cs typeface="Times New Roman" panose="02020603050405020304" pitchFamily="18" charset="0"/>
-              </a:rPr>
-              <a:t>N</a:t>
-            </a:r>
-            <a:r>
-              <a:rPr lang="en-GB" sz="1323" dirty="0">
-                <a:latin typeface="Times New Roman" panose="02020603050405020304" pitchFamily="18" charset="0"/>
-                <a:cs typeface="Times New Roman" panose="02020603050405020304" pitchFamily="18" charset="0"/>
-              </a:rPr>
-              <a:t>=712):</a:t>
-            </a:r>
-          </a:p>
-          <a:p>
-            <a:pPr algn="ctr"/>
-            <a:r>
-              <a:rPr lang="en-GB" sz="1323" dirty="0">
-                <a:latin typeface="Times New Roman" panose="02020603050405020304" pitchFamily="18" charset="0"/>
-                <a:cs typeface="Times New Roman" panose="02020603050405020304" pitchFamily="18" charset="0"/>
-              </a:rPr>
-              <a:t>Randomized </a:t>
-            </a:r>
-          </a:p>
-        </p:txBody>
-      </p:sp>
-      <p:sp>
-        <p:nvSpPr>
-          <p:cNvPr id="16" name="CuadroTexto 15">
+              <a:t>Conocimientos y Habilidades para la vida cívica y ciudadana</a:t>
+            </a:r>
+          </a:p>
+        </p:txBody>
+      </p:sp>
+      <p:cxnSp>
+        <p:nvCxnSpPr>
+          <p:cNvPr id="46" name="Conector recto de flecha 45">
             <a:extLst>
               <a:ext uri="{FF2B5EF4-FFF2-40B4-BE49-F238E27FC236}">
-                <a16:creationId xmlns:a16="http://schemas.microsoft.com/office/drawing/2014/main" id="{DA3F7464-911F-47AB-BA5C-5FB58F4A9F85}"/>
+                <a16:creationId xmlns:a16="http://schemas.microsoft.com/office/drawing/2014/main" id="{DD69A49B-75CC-4815-96FB-2EDCFC9571A3}"/>
+              </a:ext>
+            </a:extLst>
+          </p:cNvPr>
+          <p:cNvCxnSpPr>
+            <a:cxnSpLocks/>
+            <a:stCxn id="6" idx="3"/>
+            <a:endCxn id="42" idx="1"/>
+          </p:cNvCxnSpPr>
+          <p:nvPr/>
+        </p:nvCxnSpPr>
+        <p:spPr>
+          <a:xfrm>
+            <a:off x="6564966" y="1330817"/>
+            <a:ext cx="431224" cy="782435"/>
+          </a:xfrm>
+          <a:prstGeom prst="straightConnector1">
+            <a:avLst/>
+          </a:prstGeom>
+          <a:ln>
+            <a:tailEnd type="triangle"/>
+          </a:ln>
+        </p:spPr>
+        <p:style>
+          <a:lnRef idx="1">
+            <a:schemeClr val="dk1"/>
+          </a:lnRef>
+          <a:fillRef idx="0">
+            <a:schemeClr val="dk1"/>
+          </a:fillRef>
+          <a:effectRef idx="0">
+            <a:schemeClr val="dk1"/>
+          </a:effectRef>
+          <a:fontRef idx="minor">
+            <a:schemeClr val="tx1"/>
+          </a:fontRef>
+        </p:style>
+      </p:cxnSp>
+      <p:cxnSp>
+        <p:nvCxnSpPr>
+          <p:cNvPr id="48" name="Conector recto de flecha 47">
+            <a:extLst>
+              <a:ext uri="{FF2B5EF4-FFF2-40B4-BE49-F238E27FC236}">
+                <a16:creationId xmlns:a16="http://schemas.microsoft.com/office/drawing/2014/main" id="{F7939352-5816-4A1D-90EC-7F2411753735}"/>
+              </a:ext>
+            </a:extLst>
+          </p:cNvPr>
+          <p:cNvCxnSpPr>
+            <a:cxnSpLocks/>
+            <a:stCxn id="7" idx="3"/>
+            <a:endCxn id="42" idx="1"/>
+          </p:cNvCxnSpPr>
+          <p:nvPr/>
+        </p:nvCxnSpPr>
+        <p:spPr>
+          <a:xfrm flipV="1">
+            <a:off x="6564966" y="2113251"/>
+            <a:ext cx="431224" cy="505166"/>
+          </a:xfrm>
+          <a:prstGeom prst="straightConnector1">
+            <a:avLst/>
+          </a:prstGeom>
+          <a:ln>
+            <a:solidFill>
+              <a:schemeClr val="tx1"/>
+            </a:solidFill>
+            <a:tailEnd type="triangle"/>
+          </a:ln>
+        </p:spPr>
+        <p:style>
+          <a:lnRef idx="3">
+            <a:schemeClr val="accent2"/>
+          </a:lnRef>
+          <a:fillRef idx="0">
+            <a:schemeClr val="accent2"/>
+          </a:fillRef>
+          <a:effectRef idx="2">
+            <a:schemeClr val="accent2"/>
+          </a:effectRef>
+          <a:fontRef idx="minor">
+            <a:schemeClr val="tx1"/>
+          </a:fontRef>
+        </p:style>
+      </p:cxnSp>
+      <p:sp>
+        <p:nvSpPr>
+          <p:cNvPr id="118" name="CuadroTexto 117">
+            <a:extLst>
+              <a:ext uri="{FF2B5EF4-FFF2-40B4-BE49-F238E27FC236}">
+                <a16:creationId xmlns:a16="http://schemas.microsoft.com/office/drawing/2014/main" id="{6DBF5CFB-B2A6-4F77-BE24-7A4C7F874EF5}"/>
               </a:ext>
             </a:extLst>
           </p:cNvPr>
@@ -3271,8 +3387,8 @@
         </p:nvSpPr>
         <p:spPr>
           <a:xfrm>
-            <a:off x="3894009" y="327373"/>
-            <a:ext cx="1540842" cy="295915"/>
+            <a:off x="2188333" y="1080877"/>
+            <a:ext cx="1637095" cy="499880"/>
           </a:xfrm>
           <a:prstGeom prst="rect">
             <a:avLst/>
@@ -3301,192 +3417,21 @@
           <a:p>
             <a:pPr algn="ctr"/>
             <a:r>
-              <a:rPr lang="en-GB" sz="1323" dirty="0">
+              <a:rPr lang="es-CL" sz="1324" dirty="0">
                 <a:latin typeface="Times New Roman" panose="02020603050405020304" pitchFamily="18" charset="0"/>
                 <a:cs typeface="Times New Roman" panose="02020603050405020304" pitchFamily="18" charset="0"/>
               </a:rPr>
-              <a:t>Study</a:t>
-            </a:r>
-          </a:p>
-        </p:txBody>
-      </p:sp>
-      <p:cxnSp>
-        <p:nvCxnSpPr>
-          <p:cNvPr id="18" name="Conector recto de flecha 17">
+              <a:t>Interés político de los padres </a:t>
+            </a:r>
+          </a:p>
+        </p:txBody>
+      </p:sp>
+      <p:sp>
+        <p:nvSpPr>
+          <p:cNvPr id="130" name="CuadroTexto 129">
             <a:extLst>
               <a:ext uri="{FF2B5EF4-FFF2-40B4-BE49-F238E27FC236}">
-                <a16:creationId xmlns:a16="http://schemas.microsoft.com/office/drawing/2014/main" id="{DDBB42F5-4A05-4350-8B3E-C1EB7C1A165A}"/>
-              </a:ext>
-            </a:extLst>
-          </p:cNvPr>
-          <p:cNvCxnSpPr>
-            <a:cxnSpLocks/>
-            <a:stCxn id="4" idx="2"/>
-            <a:endCxn id="7" idx="0"/>
-          </p:cNvCxnSpPr>
-          <p:nvPr/>
-        </p:nvCxnSpPr>
-        <p:spPr>
-          <a:xfrm>
-            <a:off x="4664431" y="1472913"/>
-            <a:ext cx="2873776" cy="1268805"/>
-          </a:xfrm>
-          <a:prstGeom prst="straightConnector1">
-            <a:avLst/>
-          </a:prstGeom>
-          <a:ln w="28575">
-            <a:tailEnd type="triangle"/>
-          </a:ln>
-        </p:spPr>
-        <p:style>
-          <a:lnRef idx="2">
-            <a:schemeClr val="dk1"/>
-          </a:lnRef>
-          <a:fillRef idx="0">
-            <a:schemeClr val="dk1"/>
-          </a:fillRef>
-          <a:effectRef idx="1">
-            <a:schemeClr val="dk1"/>
-          </a:effectRef>
-          <a:fontRef idx="minor">
-            <a:schemeClr val="tx1"/>
-          </a:fontRef>
-        </p:style>
-      </p:cxnSp>
-      <p:cxnSp>
-        <p:nvCxnSpPr>
-          <p:cNvPr id="20" name="Conector recto de flecha 19">
-            <a:extLst>
-              <a:ext uri="{FF2B5EF4-FFF2-40B4-BE49-F238E27FC236}">
-                <a16:creationId xmlns:a16="http://schemas.microsoft.com/office/drawing/2014/main" id="{741CE5BF-9E7D-4BFB-995E-A0BFBC4E0394}"/>
-              </a:ext>
-            </a:extLst>
-          </p:cNvPr>
-          <p:cNvCxnSpPr>
-            <a:cxnSpLocks/>
-            <a:stCxn id="4" idx="2"/>
-            <a:endCxn id="6" idx="0"/>
-          </p:cNvCxnSpPr>
-          <p:nvPr/>
-        </p:nvCxnSpPr>
-        <p:spPr>
-          <a:xfrm>
-            <a:off x="4664433" y="1472913"/>
-            <a:ext cx="3" cy="1268805"/>
-          </a:xfrm>
-          <a:prstGeom prst="straightConnector1">
-            <a:avLst/>
-          </a:prstGeom>
-          <a:ln w="28575">
-            <a:tailEnd type="triangle"/>
-          </a:ln>
-        </p:spPr>
-        <p:style>
-          <a:lnRef idx="2">
-            <a:schemeClr val="dk1"/>
-          </a:lnRef>
-          <a:fillRef idx="0">
-            <a:schemeClr val="dk1"/>
-          </a:fillRef>
-          <a:effectRef idx="1">
-            <a:schemeClr val="dk1"/>
-          </a:effectRef>
-          <a:fontRef idx="minor">
-            <a:schemeClr val="tx1"/>
-          </a:fontRef>
-        </p:style>
-      </p:cxnSp>
-      <p:cxnSp>
-        <p:nvCxnSpPr>
-          <p:cNvPr id="22" name="Conector recto de flecha 21">
-            <a:extLst>
-              <a:ext uri="{FF2B5EF4-FFF2-40B4-BE49-F238E27FC236}">
-                <a16:creationId xmlns:a16="http://schemas.microsoft.com/office/drawing/2014/main" id="{CDD3A578-6496-44A6-BC7D-BE789034335B}"/>
-              </a:ext>
-            </a:extLst>
-          </p:cNvPr>
-          <p:cNvCxnSpPr>
-            <a:cxnSpLocks/>
-            <a:stCxn id="4" idx="2"/>
-            <a:endCxn id="5" idx="0"/>
-          </p:cNvCxnSpPr>
-          <p:nvPr/>
-        </p:nvCxnSpPr>
-        <p:spPr>
-          <a:xfrm flipH="1">
-            <a:off x="1887499" y="1472913"/>
-            <a:ext cx="2776932" cy="1268805"/>
-          </a:xfrm>
-          <a:prstGeom prst="straightConnector1">
-            <a:avLst/>
-          </a:prstGeom>
-          <a:ln w="28575">
-            <a:tailEnd type="triangle"/>
-          </a:ln>
-        </p:spPr>
-        <p:style>
-          <a:lnRef idx="2">
-            <a:schemeClr val="dk1"/>
-          </a:lnRef>
-          <a:fillRef idx="0">
-            <a:schemeClr val="dk1"/>
-          </a:fillRef>
-          <a:effectRef idx="1">
-            <a:schemeClr val="dk1"/>
-          </a:effectRef>
-          <a:fontRef idx="minor">
-            <a:schemeClr val="tx1"/>
-          </a:fontRef>
-        </p:style>
-      </p:cxnSp>
-      <p:cxnSp>
-        <p:nvCxnSpPr>
-          <p:cNvPr id="24" name="Conector recto de flecha 23">
-            <a:extLst>
-              <a:ext uri="{FF2B5EF4-FFF2-40B4-BE49-F238E27FC236}">
-                <a16:creationId xmlns:a16="http://schemas.microsoft.com/office/drawing/2014/main" id="{96E66005-52B2-4376-9255-7E0C7940BAD5}"/>
-              </a:ext>
-            </a:extLst>
-          </p:cNvPr>
-          <p:cNvCxnSpPr>
-            <a:stCxn id="16" idx="2"/>
-            <a:endCxn id="4" idx="0"/>
-          </p:cNvCxnSpPr>
-          <p:nvPr/>
-        </p:nvCxnSpPr>
-        <p:spPr>
-          <a:xfrm>
-            <a:off x="4664432" y="623286"/>
-            <a:ext cx="1" cy="553710"/>
-          </a:xfrm>
-          <a:prstGeom prst="straightConnector1">
-            <a:avLst/>
-          </a:prstGeom>
-          <a:ln w="28575">
-            <a:tailEnd type="triangle"/>
-          </a:ln>
-        </p:spPr>
-        <p:style>
-          <a:lnRef idx="2">
-            <a:schemeClr val="dk1"/>
-          </a:lnRef>
-          <a:fillRef idx="0">
-            <a:schemeClr val="dk1"/>
-          </a:fillRef>
-          <a:effectRef idx="1">
-            <a:schemeClr val="dk1"/>
-          </a:effectRef>
-          <a:fontRef idx="minor">
-            <a:schemeClr val="tx1"/>
-          </a:fontRef>
-        </p:style>
-      </p:cxnSp>
-      <p:sp>
-        <p:nvSpPr>
-          <p:cNvPr id="42" name="CuadroTexto 41">
-            <a:extLst>
-              <a:ext uri="{FF2B5EF4-FFF2-40B4-BE49-F238E27FC236}">
-                <a16:creationId xmlns:a16="http://schemas.microsoft.com/office/drawing/2014/main" id="{9570293A-F3BE-47E7-A406-48A1E681CED5}"/>
+                <a16:creationId xmlns:a16="http://schemas.microsoft.com/office/drawing/2014/main" id="{14428794-59CD-4165-929E-541599B25F54}"/>
               </a:ext>
             </a:extLst>
           </p:cNvPr>
@@ -3495,8 +3440,8 @@
         </p:nvSpPr>
         <p:spPr>
           <a:xfrm>
-            <a:off x="3590533" y="4713590"/>
-            <a:ext cx="2147809" cy="295915"/>
+            <a:off x="0" y="1662516"/>
+            <a:ext cx="1347537" cy="703654"/>
           </a:xfrm>
           <a:prstGeom prst="rect">
             <a:avLst/>
@@ -3525,51 +3470,52 @@
           <a:p>
             <a:pPr algn="ctr"/>
             <a:r>
-              <a:rPr lang="en-GB" sz="1323" dirty="0">
+              <a:rPr lang="es-CL" sz="1324" dirty="0">
                 <a:latin typeface="Times New Roman" panose="02020603050405020304" pitchFamily="18" charset="0"/>
                 <a:cs typeface="Times New Roman" panose="02020603050405020304" pitchFamily="18" charset="0"/>
               </a:rPr>
-              <a:t>Further questions</a:t>
+              <a:t>Estatus socioeconómico de los padres</a:t>
             </a:r>
           </a:p>
         </p:txBody>
       </p:sp>
       <p:cxnSp>
         <p:nvCxnSpPr>
-          <p:cNvPr id="44" name="Conector recto de flecha 43">
+          <p:cNvPr id="131" name="Conector recto de flecha 130">
             <a:extLst>
               <a:ext uri="{FF2B5EF4-FFF2-40B4-BE49-F238E27FC236}">
-                <a16:creationId xmlns:a16="http://schemas.microsoft.com/office/drawing/2014/main" id="{50E5FE43-711B-45FA-AE03-3682879068F2}"/>
+                <a16:creationId xmlns:a16="http://schemas.microsoft.com/office/drawing/2014/main" id="{8AA6A35D-4CFD-4F4E-A5AD-9C359BA5FD71}"/>
               </a:ext>
             </a:extLst>
           </p:cNvPr>
           <p:cNvCxnSpPr>
             <a:cxnSpLocks/>
-            <a:stCxn id="5" idx="2"/>
-            <a:endCxn id="42" idx="0"/>
+            <a:stCxn id="130" idx="3"/>
+            <a:endCxn id="118" idx="1"/>
           </p:cNvCxnSpPr>
           <p:nvPr/>
         </p:nvCxnSpPr>
         <p:spPr>
-          <a:xfrm>
-            <a:off x="1887501" y="3241212"/>
-            <a:ext cx="2776937" cy="1472376"/>
+          <a:xfrm flipV="1">
+            <a:off x="1347536" y="1330817"/>
+            <a:ext cx="840796" cy="683526"/>
           </a:xfrm>
           <a:prstGeom prst="straightConnector1">
             <a:avLst/>
           </a:prstGeom>
-          <a:ln w="28575">
-            <a:tailEnd type="triangle"/>
+          <a:ln>
+            <a:headEnd type="none" w="med" len="med"/>
+            <a:tailEnd type="none" w="med" len="med"/>
           </a:ln>
         </p:spPr>
         <p:style>
-          <a:lnRef idx="2">
+          <a:lnRef idx="1">
             <a:schemeClr val="dk1"/>
           </a:lnRef>
           <a:fillRef idx="0">
             <a:schemeClr val="dk1"/>
           </a:fillRef>
-          <a:effectRef idx="1">
+          <a:effectRef idx="0">
             <a:schemeClr val="dk1"/>
           </a:effectRef>
           <a:fontRef idx="minor">
@@ -3579,230 +3525,303 @@
       </p:cxnSp>
       <p:cxnSp>
         <p:nvCxnSpPr>
-          <p:cNvPr id="46" name="Conector recto de flecha 45">
+          <p:cNvPr id="134" name="Conector recto de flecha 133">
             <a:extLst>
               <a:ext uri="{FF2B5EF4-FFF2-40B4-BE49-F238E27FC236}">
-                <a16:creationId xmlns:a16="http://schemas.microsoft.com/office/drawing/2014/main" id="{DD69A49B-75CC-4815-96FB-2EDCFC9571A3}"/>
+                <a16:creationId xmlns:a16="http://schemas.microsoft.com/office/drawing/2014/main" id="{CE2C49C2-E528-4899-BB6C-2C3D61BB7D9F}"/>
               </a:ext>
             </a:extLst>
           </p:cNvPr>
           <p:cNvCxnSpPr>
             <a:cxnSpLocks/>
-            <a:stCxn id="6" idx="2"/>
-            <a:endCxn id="42" idx="0"/>
+            <a:stCxn id="130" idx="3"/>
+            <a:endCxn id="4" idx="1"/>
           </p:cNvCxnSpPr>
           <p:nvPr/>
         </p:nvCxnSpPr>
         <p:spPr>
           <a:xfrm>
-            <a:off x="4664434" y="3241212"/>
-            <a:ext cx="2" cy="1472376"/>
+            <a:off x="1347536" y="2014343"/>
+            <a:ext cx="840796" cy="604074"/>
           </a:xfrm>
           <a:prstGeom prst="straightConnector1">
             <a:avLst/>
           </a:prstGeom>
-          <a:ln w="28575">
+          <a:ln>
+            <a:solidFill>
+              <a:schemeClr val="tx1"/>
+            </a:solidFill>
             <a:tailEnd type="triangle"/>
+          </a:ln>
+        </p:spPr>
+        <p:style>
+          <a:lnRef idx="3">
+            <a:schemeClr val="accent2"/>
+          </a:lnRef>
+          <a:fillRef idx="0">
+            <a:schemeClr val="accent2"/>
+          </a:fillRef>
+          <a:effectRef idx="2">
+            <a:schemeClr val="accent2"/>
+          </a:effectRef>
+          <a:fontRef idx="minor">
+            <a:schemeClr val="tx1"/>
+          </a:fontRef>
+        </p:style>
+      </p:cxnSp>
+      <p:sp>
+        <p:nvSpPr>
+          <p:cNvPr id="153" name="Rectángulo 152">
+            <a:extLst>
+              <a:ext uri="{FF2B5EF4-FFF2-40B4-BE49-F238E27FC236}">
+                <a16:creationId xmlns:a16="http://schemas.microsoft.com/office/drawing/2014/main" id="{48EE6BC9-D33A-4215-8C1C-CFC164421F95}"/>
+              </a:ext>
+            </a:extLst>
+          </p:cNvPr>
+          <p:cNvSpPr/>
+          <p:nvPr/>
+        </p:nvSpPr>
+        <p:spPr>
+          <a:xfrm>
+            <a:off x="1978870" y="726455"/>
+            <a:ext cx="4695824" cy="1097121"/>
+          </a:xfrm>
+          <a:prstGeom prst="rect">
+            <a:avLst/>
+          </a:prstGeom>
+          <a:noFill/>
+          <a:ln>
+            <a:solidFill>
+              <a:schemeClr val="tx1"/>
+            </a:solidFill>
+            <a:prstDash val="dash"/>
+          </a:ln>
+        </p:spPr>
+        <p:style>
+          <a:lnRef idx="2">
+            <a:schemeClr val="accent1">
+              <a:shade val="50000"/>
+            </a:schemeClr>
+          </a:lnRef>
+          <a:fillRef idx="1">
+            <a:schemeClr val="accent1"/>
+          </a:fillRef>
+          <a:effectRef idx="0">
+            <a:schemeClr val="accent1"/>
+          </a:effectRef>
+          <a:fontRef idx="minor">
+            <a:schemeClr val="lt1"/>
+          </a:fontRef>
+        </p:style>
+        <p:txBody>
+          <a:bodyPr rtlCol="0" anchor="ctr"/>
+          <a:lstStyle/>
+          <a:p>
+            <a:pPr algn="ctr"/>
+            <a:endParaRPr lang="es-CL"/>
+          </a:p>
+        </p:txBody>
+      </p:sp>
+      <p:sp>
+        <p:nvSpPr>
+          <p:cNvPr id="159" name="Rectángulo 158">
+            <a:extLst>
+              <a:ext uri="{FF2B5EF4-FFF2-40B4-BE49-F238E27FC236}">
+                <a16:creationId xmlns:a16="http://schemas.microsoft.com/office/drawing/2014/main" id="{F70DC47F-4906-4A10-81EC-B5A376DE96C3}"/>
+              </a:ext>
+            </a:extLst>
+          </p:cNvPr>
+          <p:cNvSpPr/>
+          <p:nvPr/>
+        </p:nvSpPr>
+        <p:spPr>
+          <a:xfrm>
+            <a:off x="3403237" y="549243"/>
+            <a:ext cx="1534753" cy="354423"/>
+          </a:xfrm>
+          <a:prstGeom prst="rect">
+            <a:avLst/>
+          </a:prstGeom>
+          <a:ln>
+            <a:prstDash val="dash"/>
           </a:ln>
         </p:spPr>
         <p:style>
           <a:lnRef idx="2">
             <a:schemeClr val="dk1"/>
           </a:lnRef>
-          <a:fillRef idx="0">
-            <a:schemeClr val="dk1"/>
+          <a:fillRef idx="1">
+            <a:schemeClr val="lt1"/>
           </a:fillRef>
-          <a:effectRef idx="1">
+          <a:effectRef idx="0">
             <a:schemeClr val="dk1"/>
           </a:effectRef>
           <a:fontRef idx="minor">
-            <a:schemeClr val="tx1"/>
+            <a:schemeClr val="dk1"/>
           </a:fontRef>
         </p:style>
-      </p:cxnSp>
-      <p:cxnSp>
-        <p:nvCxnSpPr>
-          <p:cNvPr id="48" name="Conector recto de flecha 47">
+        <p:txBody>
+          <a:bodyPr rtlCol="0" anchor="ctr"/>
+          <a:lstStyle/>
+          <a:p>
+            <a:pPr algn="ctr"/>
+            <a:r>
+              <a:rPr lang="es-CL" sz="1324" dirty="0">
+                <a:latin typeface="Times New Roman" panose="02020603050405020304" pitchFamily="18" charset="0"/>
+                <a:cs typeface="Times New Roman" panose="02020603050405020304" pitchFamily="18" charset="0"/>
+              </a:rPr>
+              <a:t>Reproducción normativa</a:t>
+            </a:r>
+          </a:p>
+        </p:txBody>
+      </p:sp>
+      <p:sp>
+        <p:nvSpPr>
+          <p:cNvPr id="161" name="Rectángulo 160">
             <a:extLst>
               <a:ext uri="{FF2B5EF4-FFF2-40B4-BE49-F238E27FC236}">
-                <a16:creationId xmlns:a16="http://schemas.microsoft.com/office/drawing/2014/main" id="{F7939352-5816-4A1D-90EC-7F2411753735}"/>
+                <a16:creationId xmlns:a16="http://schemas.microsoft.com/office/drawing/2014/main" id="{1271A5F1-78C8-4691-A148-31B26E1F8A30}"/>
               </a:ext>
             </a:extLst>
           </p:cNvPr>
-          <p:cNvCxnSpPr>
-            <a:cxnSpLocks/>
-            <a:stCxn id="7" idx="2"/>
-            <a:endCxn id="42" idx="0"/>
-          </p:cNvCxnSpPr>
+          <p:cNvSpPr/>
           <p:nvPr/>
-        </p:nvCxnSpPr>
+        </p:nvSpPr>
         <p:spPr>
-          <a:xfrm flipH="1">
-            <a:off x="4664438" y="3241212"/>
-            <a:ext cx="2873771" cy="1472376"/>
+          <a:xfrm>
+            <a:off x="1928902" y="2235037"/>
+            <a:ext cx="4695824" cy="1097121"/>
           </a:xfrm>
-          <a:prstGeom prst="straightConnector1">
+          <a:prstGeom prst="rect">
             <a:avLst/>
           </a:prstGeom>
-          <a:ln w="28575">
-            <a:tailEnd type="triangle"/>
+          <a:noFill/>
+          <a:ln>
+            <a:solidFill>
+              <a:schemeClr val="tx1"/>
+            </a:solidFill>
+            <a:prstDash val="dash"/>
+          </a:ln>
+        </p:spPr>
+        <p:style>
+          <a:lnRef idx="2">
+            <a:schemeClr val="accent1">
+              <a:shade val="50000"/>
+            </a:schemeClr>
+          </a:lnRef>
+          <a:fillRef idx="1">
+            <a:schemeClr val="accent1"/>
+          </a:fillRef>
+          <a:effectRef idx="0">
+            <a:schemeClr val="accent1"/>
+          </a:effectRef>
+          <a:fontRef idx="minor">
+            <a:schemeClr val="lt1"/>
+          </a:fontRef>
+        </p:style>
+        <p:txBody>
+          <a:bodyPr rtlCol="0" anchor="ctr"/>
+          <a:lstStyle/>
+          <a:p>
+            <a:pPr algn="ctr"/>
+            <a:endParaRPr lang="es-CL"/>
+          </a:p>
+        </p:txBody>
+      </p:sp>
+      <p:sp>
+        <p:nvSpPr>
+          <p:cNvPr id="165" name="Rectángulo 164">
+            <a:extLst>
+              <a:ext uri="{FF2B5EF4-FFF2-40B4-BE49-F238E27FC236}">
+                <a16:creationId xmlns:a16="http://schemas.microsoft.com/office/drawing/2014/main" id="{B80D2382-8736-45C6-9459-84CBEAE9E76A}"/>
+              </a:ext>
+            </a:extLst>
+          </p:cNvPr>
+          <p:cNvSpPr/>
+          <p:nvPr/>
+        </p:nvSpPr>
+        <p:spPr>
+          <a:xfrm>
+            <a:off x="3403237" y="3154944"/>
+            <a:ext cx="1534753" cy="354423"/>
+          </a:xfrm>
+          <a:prstGeom prst="rect">
+            <a:avLst/>
+          </a:prstGeom>
+          <a:ln>
+            <a:prstDash val="dash"/>
           </a:ln>
         </p:spPr>
         <p:style>
           <a:lnRef idx="2">
             <a:schemeClr val="dk1"/>
           </a:lnRef>
-          <a:fillRef idx="0">
-            <a:schemeClr val="dk1"/>
+          <a:fillRef idx="1">
+            <a:schemeClr val="lt1"/>
           </a:fillRef>
-          <a:effectRef idx="1">
+          <a:effectRef idx="0">
             <a:schemeClr val="dk1"/>
           </a:effectRef>
           <a:fontRef idx="minor">
-            <a:schemeClr val="tx1"/>
+            <a:schemeClr val="dk1"/>
           </a:fontRef>
         </p:style>
-      </p:cxnSp>
-      <p:sp>
-        <p:nvSpPr>
-          <p:cNvPr id="104" name="Rectángulo 103">
+        <p:txBody>
+          <a:bodyPr rtlCol="0" anchor="ctr"/>
+          <a:lstStyle/>
+          <a:p>
+            <a:pPr algn="ctr"/>
+            <a:r>
+              <a:rPr lang="es-CL" sz="1324" dirty="0">
+                <a:latin typeface="Times New Roman" panose="02020603050405020304" pitchFamily="18" charset="0"/>
+                <a:cs typeface="Times New Roman" panose="02020603050405020304" pitchFamily="18" charset="0"/>
+              </a:rPr>
+              <a:t>Transmisión de habilidades</a:t>
+            </a:r>
+          </a:p>
+        </p:txBody>
+      </p:sp>
+      <p:sp>
+        <p:nvSpPr>
+          <p:cNvPr id="167" name="CuadroTexto 166">
             <a:extLst>
               <a:ext uri="{FF2B5EF4-FFF2-40B4-BE49-F238E27FC236}">
-                <a16:creationId xmlns:a16="http://schemas.microsoft.com/office/drawing/2014/main" id="{B537F030-B7B7-457E-9586-40B4054DDF87}"/>
+                <a16:creationId xmlns:a16="http://schemas.microsoft.com/office/drawing/2014/main" id="{287B2643-FAED-4551-BBCC-051420E35606}"/>
               </a:ext>
             </a:extLst>
           </p:cNvPr>
-          <p:cNvSpPr/>
+          <p:cNvSpPr txBox="1"/>
           <p:nvPr/>
         </p:nvSpPr>
         <p:spPr>
           <a:xfrm>
-            <a:off x="533861" y="1758638"/>
-            <a:ext cx="8296245" cy="3672099"/>
+            <a:off x="-321669" y="-39609"/>
+            <a:ext cx="2362200" cy="369332"/>
           </a:xfrm>
           <a:prstGeom prst="rect">
             <a:avLst/>
           </a:prstGeom>
           <a:noFill/>
-          <a:ln w="9525" cap="flat" cmpd="sng" algn="ctr">
-            <a:solidFill>
-              <a:schemeClr val="dk1"/>
-            </a:solidFill>
-            <a:prstDash val="dash"/>
-            <a:round/>
-            <a:headEnd type="none" w="med" len="med"/>
-            <a:tailEnd type="none" w="med" len="med"/>
+          <a:ln>
+            <a:noFill/>
           </a:ln>
         </p:spPr>
-        <p:style>
-          <a:lnRef idx="0">
-            <a:scrgbClr r="0" g="0" b="0"/>
-          </a:lnRef>
-          <a:fillRef idx="0">
-            <a:scrgbClr r="0" g="0" b="0"/>
-          </a:fillRef>
-          <a:effectRef idx="0">
-            <a:scrgbClr r="0" g="0" b="0"/>
-          </a:effectRef>
-          <a:fontRef idx="minor">
-            <a:schemeClr val="dk1"/>
-          </a:fontRef>
-        </p:style>
-        <p:txBody>
-          <a:bodyPr rtlCol="0" anchor="ctr"/>
-          <a:lstStyle/>
-          <a:p>
-            <a:pPr algn="r"/>
-            <a:endParaRPr lang="en-GB" sz="1701" dirty="0">
-              <a:latin typeface="Times New Roman" panose="02020603050405020304" pitchFamily="18" charset="0"/>
-              <a:cs typeface="Times New Roman" panose="02020603050405020304" pitchFamily="18" charset="0"/>
-            </a:endParaRPr>
-          </a:p>
-          <a:p>
-            <a:pPr algn="r"/>
-            <a:endParaRPr lang="en-GB" sz="1701" dirty="0">
-              <a:latin typeface="Times New Roman" panose="02020603050405020304" pitchFamily="18" charset="0"/>
-              <a:cs typeface="Times New Roman" panose="02020603050405020304" pitchFamily="18" charset="0"/>
-            </a:endParaRPr>
-          </a:p>
-          <a:p>
-            <a:pPr algn="r"/>
-            <a:endParaRPr lang="en-GB" sz="1701" dirty="0">
-              <a:latin typeface="Times New Roman" panose="02020603050405020304" pitchFamily="18" charset="0"/>
-              <a:cs typeface="Times New Roman" panose="02020603050405020304" pitchFamily="18" charset="0"/>
-            </a:endParaRPr>
-          </a:p>
-          <a:p>
-            <a:pPr algn="r"/>
-            <a:endParaRPr lang="en-GB" sz="1701" dirty="0">
-              <a:latin typeface="Times New Roman" panose="02020603050405020304" pitchFamily="18" charset="0"/>
-              <a:cs typeface="Times New Roman" panose="02020603050405020304" pitchFamily="18" charset="0"/>
-            </a:endParaRPr>
-          </a:p>
-          <a:p>
-            <a:pPr algn="r"/>
-            <a:endParaRPr lang="en-GB" sz="1701" dirty="0">
-              <a:latin typeface="Times New Roman" panose="02020603050405020304" pitchFamily="18" charset="0"/>
-              <a:cs typeface="Times New Roman" panose="02020603050405020304" pitchFamily="18" charset="0"/>
-            </a:endParaRPr>
-          </a:p>
-          <a:p>
-            <a:pPr algn="r"/>
-            <a:endParaRPr lang="en-GB" sz="1701" dirty="0">
-              <a:latin typeface="Times New Roman" panose="02020603050405020304" pitchFamily="18" charset="0"/>
-              <a:cs typeface="Times New Roman" panose="02020603050405020304" pitchFamily="18" charset="0"/>
-            </a:endParaRPr>
-          </a:p>
-          <a:p>
-            <a:pPr algn="r"/>
-            <a:endParaRPr lang="en-GB" sz="1701" dirty="0">
-              <a:latin typeface="Times New Roman" panose="02020603050405020304" pitchFamily="18" charset="0"/>
-              <a:cs typeface="Times New Roman" panose="02020603050405020304" pitchFamily="18" charset="0"/>
-            </a:endParaRPr>
-          </a:p>
-          <a:p>
-            <a:pPr algn="r"/>
-            <a:endParaRPr lang="en-GB" sz="1701" dirty="0">
-              <a:latin typeface="Times New Roman" panose="02020603050405020304" pitchFamily="18" charset="0"/>
-              <a:cs typeface="Times New Roman" panose="02020603050405020304" pitchFamily="18" charset="0"/>
-            </a:endParaRPr>
-          </a:p>
-          <a:p>
-            <a:pPr algn="r"/>
-            <a:endParaRPr lang="en-GB" sz="1701" dirty="0">
-              <a:latin typeface="Times New Roman" panose="02020603050405020304" pitchFamily="18" charset="0"/>
-              <a:cs typeface="Times New Roman" panose="02020603050405020304" pitchFamily="18" charset="0"/>
-            </a:endParaRPr>
-          </a:p>
-          <a:p>
-            <a:pPr algn="r"/>
-            <a:endParaRPr lang="en-GB" sz="1701" dirty="0">
-              <a:latin typeface="Times New Roman" panose="02020603050405020304" pitchFamily="18" charset="0"/>
-              <a:cs typeface="Times New Roman" panose="02020603050405020304" pitchFamily="18" charset="0"/>
-            </a:endParaRPr>
-          </a:p>
-          <a:p>
-            <a:pPr algn="r"/>
-            <a:endParaRPr lang="en-GB" sz="1701" dirty="0">
-              <a:latin typeface="Times New Roman" panose="02020603050405020304" pitchFamily="18" charset="0"/>
-              <a:cs typeface="Times New Roman" panose="02020603050405020304" pitchFamily="18" charset="0"/>
-            </a:endParaRPr>
-          </a:p>
-          <a:p>
-            <a:pPr algn="r"/>
-            <a:endParaRPr lang="en-GB" sz="1701" dirty="0">
-              <a:latin typeface="Times New Roman" panose="02020603050405020304" pitchFamily="18" charset="0"/>
-              <a:cs typeface="Times New Roman" panose="02020603050405020304" pitchFamily="18" charset="0"/>
-            </a:endParaRPr>
-          </a:p>
-          <a:p>
-            <a:pPr algn="r"/>
-            <a:r>
-              <a:rPr lang="en-GB" sz="1323" dirty="0">
+        <p:txBody>
+          <a:bodyPr wrap="square" rtlCol="0">
+            <a:spAutoFit/>
+          </a:bodyPr>
+          <a:lstStyle/>
+          <a:p>
+            <a:pPr algn="ctr"/>
+            <a:r>
+              <a:rPr lang="es-CL" u="sng" dirty="0">
+                <a:solidFill>
+                  <a:schemeClr val="dk1"/>
+                </a:solidFill>
                 <a:latin typeface="Times New Roman" panose="02020603050405020304" pitchFamily="18" charset="0"/>
                 <a:cs typeface="Times New Roman" panose="02020603050405020304" pitchFamily="18" charset="0"/>
               </a:rPr>
-              <a:t>Full sample (N=2141) </a:t>
+              <a:t>Propuesta teórica</a:t>
             </a:r>
           </a:p>
         </p:txBody>

--- a/input/images/app_mod.pptx
+++ b/input/images/app_mod.pptx
@@ -243,7 +243,7 @@
           <a:p>
             <a:fld id="{54FB5702-4C46-4803-8640-AC94616135D0}" type="datetimeFigureOut">
               <a:rPr lang="es-CL" smtClean="0"/>
-              <a:t>25-07-2020</a:t>
+              <a:t>24-08-2020</a:t>
             </a:fld>
             <a:endParaRPr lang="es-CL"/>
           </a:p>
@@ -413,7 +413,7 @@
           <a:p>
             <a:fld id="{54FB5702-4C46-4803-8640-AC94616135D0}" type="datetimeFigureOut">
               <a:rPr lang="es-CL" smtClean="0"/>
-              <a:t>25-07-2020</a:t>
+              <a:t>24-08-2020</a:t>
             </a:fld>
             <a:endParaRPr lang="es-CL"/>
           </a:p>
@@ -593,7 +593,7 @@
           <a:p>
             <a:fld id="{54FB5702-4C46-4803-8640-AC94616135D0}" type="datetimeFigureOut">
               <a:rPr lang="es-CL" smtClean="0"/>
-              <a:t>25-07-2020</a:t>
+              <a:t>24-08-2020</a:t>
             </a:fld>
             <a:endParaRPr lang="es-CL"/>
           </a:p>
@@ -763,7 +763,7 @@
           <a:p>
             <a:fld id="{54FB5702-4C46-4803-8640-AC94616135D0}" type="datetimeFigureOut">
               <a:rPr lang="es-CL" smtClean="0"/>
-              <a:t>25-07-2020</a:t>
+              <a:t>24-08-2020</a:t>
             </a:fld>
             <a:endParaRPr lang="es-CL"/>
           </a:p>
@@ -1009,7 +1009,7 @@
           <a:p>
             <a:fld id="{54FB5702-4C46-4803-8640-AC94616135D0}" type="datetimeFigureOut">
               <a:rPr lang="es-CL" smtClean="0"/>
-              <a:t>25-07-2020</a:t>
+              <a:t>24-08-2020</a:t>
             </a:fld>
             <a:endParaRPr lang="es-CL"/>
           </a:p>
@@ -1241,7 +1241,7 @@
           <a:p>
             <a:fld id="{54FB5702-4C46-4803-8640-AC94616135D0}" type="datetimeFigureOut">
               <a:rPr lang="es-CL" smtClean="0"/>
-              <a:t>25-07-2020</a:t>
+              <a:t>24-08-2020</a:t>
             </a:fld>
             <a:endParaRPr lang="es-CL"/>
           </a:p>
@@ -1608,7 +1608,7 @@
           <a:p>
             <a:fld id="{54FB5702-4C46-4803-8640-AC94616135D0}" type="datetimeFigureOut">
               <a:rPr lang="es-CL" smtClean="0"/>
-              <a:t>25-07-2020</a:t>
+              <a:t>24-08-2020</a:t>
             </a:fld>
             <a:endParaRPr lang="es-CL"/>
           </a:p>
@@ -1726,7 +1726,7 @@
           <a:p>
             <a:fld id="{54FB5702-4C46-4803-8640-AC94616135D0}" type="datetimeFigureOut">
               <a:rPr lang="es-CL" smtClean="0"/>
-              <a:t>25-07-2020</a:t>
+              <a:t>24-08-2020</a:t>
             </a:fld>
             <a:endParaRPr lang="es-CL"/>
           </a:p>
@@ -1821,7 +1821,7 @@
           <a:p>
             <a:fld id="{54FB5702-4C46-4803-8640-AC94616135D0}" type="datetimeFigureOut">
               <a:rPr lang="es-CL" smtClean="0"/>
-              <a:t>25-07-2020</a:t>
+              <a:t>24-08-2020</a:t>
             </a:fld>
             <a:endParaRPr lang="es-CL"/>
           </a:p>
@@ -2098,7 +2098,7 @@
           <a:p>
             <a:fld id="{54FB5702-4C46-4803-8640-AC94616135D0}" type="datetimeFigureOut">
               <a:rPr lang="es-CL" smtClean="0"/>
-              <a:t>25-07-2020</a:t>
+              <a:t>24-08-2020</a:t>
             </a:fld>
             <a:endParaRPr lang="es-CL"/>
           </a:p>
@@ -2355,7 +2355,7 @@
           <a:p>
             <a:fld id="{54FB5702-4C46-4803-8640-AC94616135D0}" type="datetimeFigureOut">
               <a:rPr lang="es-CL" smtClean="0"/>
-              <a:t>25-07-2020</a:t>
+              <a:t>24-08-2020</a:t>
             </a:fld>
             <a:endParaRPr lang="es-CL"/>
           </a:p>
@@ -2568,7 +2568,7 @@
           <a:p>
             <a:fld id="{54FB5702-4C46-4803-8640-AC94616135D0}" type="datetimeFigureOut">
               <a:rPr lang="es-CL" smtClean="0"/>
-              <a:t>25-07-2020</a:t>
+              <a:t>24-08-2020</a:t>
             </a:fld>
             <a:endParaRPr lang="es-CL"/>
           </a:p>
@@ -2975,10 +2975,10 @@
       </p:grpSpPr>
       <p:sp>
         <p:nvSpPr>
-          <p:cNvPr id="4" name="CuadroTexto 3">
+          <p:cNvPr id="6" name="CuadroTexto 5">
             <a:extLst>
               <a:ext uri="{FF2B5EF4-FFF2-40B4-BE49-F238E27FC236}">
-                <a16:creationId xmlns:a16="http://schemas.microsoft.com/office/drawing/2014/main" id="{1084C545-B612-4877-BD2E-413B8C1D5A45}"/>
+                <a16:creationId xmlns:a16="http://schemas.microsoft.com/office/drawing/2014/main" id="{39BD3987-8126-4CD0-A7D0-72C2204A8D37}"/>
               </a:ext>
             </a:extLst>
           </p:cNvPr>
@@ -2987,13 +2987,13 @@
         </p:nvSpPr>
         <p:spPr>
           <a:xfrm>
-            <a:off x="2188333" y="2368477"/>
-            <a:ext cx="1637095" cy="499880"/>
+            <a:off x="3064852" y="2520232"/>
+            <a:ext cx="2238183" cy="499880"/>
           </a:xfrm>
           <a:prstGeom prst="rect">
             <a:avLst/>
           </a:prstGeom>
-          <a:ln w="28575"/>
+          <a:ln w="3175"/>
         </p:spPr>
         <p:style>
           <a:lnRef idx="2">
@@ -3017,21 +3017,31 @@
           <a:p>
             <a:pPr algn="ctr"/>
             <a:r>
-              <a:rPr lang="es-CL" sz="1324">
+              <a:rPr lang="es-CL" sz="1324" dirty="0">
                 <a:latin typeface="Times New Roman" panose="02020603050405020304" pitchFamily="18" charset="0"/>
                 <a:cs typeface="Times New Roman" panose="02020603050405020304" pitchFamily="18" charset="0"/>
               </a:rPr>
-              <a:t>Cantidad de libros en el hogar</a:t>
-            </a:r>
-          </a:p>
-        </p:txBody>
-      </p:sp>
-      <p:sp>
-        <p:nvSpPr>
-          <p:cNvPr id="6" name="CuadroTexto 5">
+              <a:t>Interés político del</a:t>
+            </a:r>
+          </a:p>
+          <a:p>
+            <a:pPr algn="ctr"/>
+            <a:r>
+              <a:rPr lang="es-CL" sz="1324" dirty="0">
+                <a:latin typeface="Times New Roman" panose="02020603050405020304" pitchFamily="18" charset="0"/>
+                <a:cs typeface="Times New Roman" panose="02020603050405020304" pitchFamily="18" charset="0"/>
+              </a:rPr>
+              <a:t> estudiante</a:t>
+            </a:r>
+          </a:p>
+        </p:txBody>
+      </p:sp>
+      <p:sp>
+        <p:nvSpPr>
+          <p:cNvPr id="7" name="CuadroTexto 6">
             <a:extLst>
               <a:ext uri="{FF2B5EF4-FFF2-40B4-BE49-F238E27FC236}">
-                <a16:creationId xmlns:a16="http://schemas.microsoft.com/office/drawing/2014/main" id="{39BD3987-8126-4CD0-A7D0-72C2204A8D37}"/>
+                <a16:creationId xmlns:a16="http://schemas.microsoft.com/office/drawing/2014/main" id="{D6101E3F-6D4B-4818-BB8A-5AFD02D8E365}"/>
               </a:ext>
             </a:extLst>
           </p:cNvPr>
@@ -3040,7 +3050,7 @@
         </p:nvSpPr>
         <p:spPr>
           <a:xfrm>
-            <a:off x="4326784" y="1080876"/>
+            <a:off x="3064851" y="1301699"/>
             <a:ext cx="2238183" cy="499880"/>
           </a:xfrm>
           <a:prstGeom prst="rect">
@@ -3074,69 +3084,6 @@
                 <a:latin typeface="Times New Roman" panose="02020603050405020304" pitchFamily="18" charset="0"/>
                 <a:cs typeface="Times New Roman" panose="02020603050405020304" pitchFamily="18" charset="0"/>
               </a:rPr>
-              <a:t>Interés político del</a:t>
-            </a:r>
-          </a:p>
-          <a:p>
-            <a:pPr algn="ctr"/>
-            <a:r>
-              <a:rPr lang="es-CL" sz="1324" dirty="0">
-                <a:latin typeface="Times New Roman" panose="02020603050405020304" pitchFamily="18" charset="0"/>
-                <a:cs typeface="Times New Roman" panose="02020603050405020304" pitchFamily="18" charset="0"/>
-              </a:rPr>
-              <a:t> estudiante</a:t>
-            </a:r>
-          </a:p>
-        </p:txBody>
-      </p:sp>
-      <p:sp>
-        <p:nvSpPr>
-          <p:cNvPr id="7" name="CuadroTexto 6">
-            <a:extLst>
-              <a:ext uri="{FF2B5EF4-FFF2-40B4-BE49-F238E27FC236}">
-                <a16:creationId xmlns:a16="http://schemas.microsoft.com/office/drawing/2014/main" id="{D6101E3F-6D4B-4818-BB8A-5AFD02D8E365}"/>
-              </a:ext>
-            </a:extLst>
-          </p:cNvPr>
-          <p:cNvSpPr txBox="1"/>
-          <p:nvPr/>
-        </p:nvSpPr>
-        <p:spPr>
-          <a:xfrm>
-            <a:off x="4326784" y="2368477"/>
-            <a:ext cx="2238183" cy="499880"/>
-          </a:xfrm>
-          <a:prstGeom prst="rect">
-            <a:avLst/>
-          </a:prstGeom>
-          <a:ln w="28575"/>
-        </p:spPr>
-        <p:style>
-          <a:lnRef idx="2">
-            <a:schemeClr val="dk1"/>
-          </a:lnRef>
-          <a:fillRef idx="1">
-            <a:schemeClr val="lt1"/>
-          </a:fillRef>
-          <a:effectRef idx="0">
-            <a:schemeClr val="dk1"/>
-          </a:effectRef>
-          <a:fontRef idx="minor">
-            <a:schemeClr val="dk1"/>
-          </a:fontRef>
-        </p:style>
-        <p:txBody>
-          <a:bodyPr wrap="square" rtlCol="0">
-            <a:spAutoFit/>
-          </a:bodyPr>
-          <a:lstStyle/>
-          <a:p>
-            <a:pPr algn="ctr"/>
-            <a:r>
-              <a:rPr lang="es-CL" sz="1324" dirty="0">
-                <a:latin typeface="Times New Roman" panose="02020603050405020304" pitchFamily="18" charset="0"/>
-                <a:cs typeface="Times New Roman" panose="02020603050405020304" pitchFamily="18" charset="0"/>
-              </a:rPr>
               <a:t>Habilidades en el manejo del lenguaje del estudiante</a:t>
             </a:r>
           </a:p>
@@ -3153,15 +3100,15 @@
           </p:cNvPr>
           <p:cNvCxnSpPr>
             <a:cxnSpLocks/>
-            <a:stCxn id="4" idx="3"/>
+            <a:stCxn id="130" idx="3"/>
             <a:endCxn id="7" idx="1"/>
           </p:cNvCxnSpPr>
           <p:nvPr/>
         </p:nvCxnSpPr>
         <p:spPr>
-          <a:xfrm>
-            <a:off x="3825427" y="2618417"/>
-            <a:ext cx="501356" cy="0"/>
+          <a:xfrm flipV="1">
+            <a:off x="1750306" y="1551639"/>
+            <a:ext cx="1314545" cy="491121"/>
           </a:xfrm>
           <a:prstGeom prst="straightConnector1">
             <a:avLst/>
@@ -3188,49 +3135,6 @@
           </a:fontRef>
         </p:style>
       </p:cxnSp>
-      <p:cxnSp>
-        <p:nvCxnSpPr>
-          <p:cNvPr id="20" name="Conector recto de flecha 19">
-            <a:extLst>
-              <a:ext uri="{FF2B5EF4-FFF2-40B4-BE49-F238E27FC236}">
-                <a16:creationId xmlns:a16="http://schemas.microsoft.com/office/drawing/2014/main" id="{741CE5BF-9E7D-4BFB-995E-A0BFBC4E0394}"/>
-              </a:ext>
-            </a:extLst>
-          </p:cNvPr>
-          <p:cNvCxnSpPr>
-            <a:cxnSpLocks/>
-            <a:stCxn id="118" idx="3"/>
-            <a:endCxn id="6" idx="1"/>
-          </p:cNvCxnSpPr>
-          <p:nvPr/>
-        </p:nvCxnSpPr>
-        <p:spPr>
-          <a:xfrm flipV="1">
-            <a:off x="3825427" y="1330817"/>
-            <a:ext cx="501356" cy="1"/>
-          </a:xfrm>
-          <a:prstGeom prst="straightConnector1">
-            <a:avLst/>
-          </a:prstGeom>
-          <a:ln>
-            <a:tailEnd type="triangle"/>
-          </a:ln>
-        </p:spPr>
-        <p:style>
-          <a:lnRef idx="1">
-            <a:schemeClr val="dk1"/>
-          </a:lnRef>
-          <a:fillRef idx="0">
-            <a:schemeClr val="dk1"/>
-          </a:fillRef>
-          <a:effectRef idx="0">
-            <a:schemeClr val="dk1"/>
-          </a:effectRef>
-          <a:fontRef idx="minor">
-            <a:schemeClr val="tx1"/>
-          </a:fontRef>
-        </p:style>
-      </p:cxnSp>
       <p:sp>
         <p:nvSpPr>
           <p:cNvPr id="42" name="CuadroTexto 41">
@@ -3245,7 +3149,7 @@
         </p:nvSpPr>
         <p:spPr>
           <a:xfrm>
-            <a:off x="6996191" y="1761424"/>
+            <a:off x="6888724" y="1663503"/>
             <a:ext cx="2147809" cy="703654"/>
           </a:xfrm>
           <a:prstGeom prst="rect">
@@ -3301,9 +3205,9 @@
           <p:nvPr/>
         </p:nvCxnSpPr>
         <p:spPr>
-          <a:xfrm>
-            <a:off x="6564966" y="1330817"/>
-            <a:ext cx="431224" cy="782435"/>
+          <a:xfrm flipV="1">
+            <a:off x="5303035" y="2015330"/>
+            <a:ext cx="1585689" cy="754842"/>
           </a:xfrm>
           <a:prstGeom prst="straightConnector1">
             <a:avLst/>
@@ -3344,9 +3248,9 @@
           <p:nvPr/>
         </p:nvCxnSpPr>
         <p:spPr>
-          <a:xfrm flipV="1">
-            <a:off x="6564966" y="2113251"/>
-            <a:ext cx="431224" cy="505166"/>
+          <a:xfrm>
+            <a:off x="5303034" y="1551639"/>
+            <a:ext cx="1585690" cy="463691"/>
           </a:xfrm>
           <a:prstGeom prst="straightConnector1">
             <a:avLst/>
@@ -3375,10 +3279,10 @@
       </p:cxnSp>
       <p:sp>
         <p:nvSpPr>
-          <p:cNvPr id="118" name="CuadroTexto 117">
+          <p:cNvPr id="130" name="CuadroTexto 129">
             <a:extLst>
               <a:ext uri="{FF2B5EF4-FFF2-40B4-BE49-F238E27FC236}">
-                <a16:creationId xmlns:a16="http://schemas.microsoft.com/office/drawing/2014/main" id="{6DBF5CFB-B2A6-4F77-BE24-7A4C7F874EF5}"/>
+                <a16:creationId xmlns:a16="http://schemas.microsoft.com/office/drawing/2014/main" id="{14428794-59CD-4165-929E-541599B25F54}"/>
               </a:ext>
             </a:extLst>
           </p:cNvPr>
@@ -3387,8 +3291,8 @@
         </p:nvSpPr>
         <p:spPr>
           <a:xfrm>
-            <a:off x="2188333" y="1080877"/>
-            <a:ext cx="1637095" cy="499880"/>
+            <a:off x="164617" y="1690933"/>
+            <a:ext cx="1585689" cy="703654"/>
           </a:xfrm>
           <a:prstGeom prst="rect">
             <a:avLst/>
@@ -3421,59 +3325,6 @@
                 <a:latin typeface="Times New Roman" panose="02020603050405020304" pitchFamily="18" charset="0"/>
                 <a:cs typeface="Times New Roman" panose="02020603050405020304" pitchFamily="18" charset="0"/>
               </a:rPr>
-              <a:t>Interés político de los padres </a:t>
-            </a:r>
-          </a:p>
-        </p:txBody>
-      </p:sp>
-      <p:sp>
-        <p:nvSpPr>
-          <p:cNvPr id="130" name="CuadroTexto 129">
-            <a:extLst>
-              <a:ext uri="{FF2B5EF4-FFF2-40B4-BE49-F238E27FC236}">
-                <a16:creationId xmlns:a16="http://schemas.microsoft.com/office/drawing/2014/main" id="{14428794-59CD-4165-929E-541599B25F54}"/>
-              </a:ext>
-            </a:extLst>
-          </p:cNvPr>
-          <p:cNvSpPr txBox="1"/>
-          <p:nvPr/>
-        </p:nvSpPr>
-        <p:spPr>
-          <a:xfrm>
-            <a:off x="0" y="1662516"/>
-            <a:ext cx="1347537" cy="703654"/>
-          </a:xfrm>
-          <a:prstGeom prst="rect">
-            <a:avLst/>
-          </a:prstGeom>
-          <a:ln w="28575"/>
-        </p:spPr>
-        <p:style>
-          <a:lnRef idx="2">
-            <a:schemeClr val="dk1"/>
-          </a:lnRef>
-          <a:fillRef idx="1">
-            <a:schemeClr val="lt1"/>
-          </a:fillRef>
-          <a:effectRef idx="0">
-            <a:schemeClr val="dk1"/>
-          </a:effectRef>
-          <a:fontRef idx="minor">
-            <a:schemeClr val="dk1"/>
-          </a:fontRef>
-        </p:style>
-        <p:txBody>
-          <a:bodyPr wrap="square" rtlCol="0">
-            <a:spAutoFit/>
-          </a:bodyPr>
-          <a:lstStyle/>
-          <a:p>
-            <a:pPr algn="ctr"/>
-            <a:r>
-              <a:rPr lang="es-CL" sz="1324" dirty="0">
-                <a:latin typeface="Times New Roman" panose="02020603050405020304" pitchFamily="18" charset="0"/>
-                <a:cs typeface="Times New Roman" panose="02020603050405020304" pitchFamily="18" charset="0"/>
-              </a:rPr>
               <a:t>Estatus socioeconómico de los padres</a:t>
             </a:r>
           </a:p>
@@ -3491,19 +3342,19 @@
           <p:cNvCxnSpPr>
             <a:cxnSpLocks/>
             <a:stCxn id="130" idx="3"/>
-            <a:endCxn id="118" idx="1"/>
+            <a:endCxn id="6" idx="1"/>
           </p:cNvCxnSpPr>
           <p:nvPr/>
         </p:nvCxnSpPr>
         <p:spPr>
-          <a:xfrm flipV="1">
-            <a:off x="1347536" y="1330817"/>
-            <a:ext cx="840796" cy="683526"/>
+          <a:xfrm>
+            <a:off x="1750306" y="2042760"/>
+            <a:ext cx="1314546" cy="727412"/>
           </a:xfrm>
           <a:prstGeom prst="straightConnector1">
             <a:avLst/>
           </a:prstGeom>
-          <a:ln>
+          <a:ln w="3175">
             <a:headEnd type="none" w="med" len="med"/>
             <a:tailEnd type="none" w="med" len="med"/>
           </a:ln>
@@ -3523,52 +3374,6 @@
           </a:fontRef>
         </p:style>
       </p:cxnSp>
-      <p:cxnSp>
-        <p:nvCxnSpPr>
-          <p:cNvPr id="134" name="Conector recto de flecha 133">
-            <a:extLst>
-              <a:ext uri="{FF2B5EF4-FFF2-40B4-BE49-F238E27FC236}">
-                <a16:creationId xmlns:a16="http://schemas.microsoft.com/office/drawing/2014/main" id="{CE2C49C2-E528-4899-BB6C-2C3D61BB7D9F}"/>
-              </a:ext>
-            </a:extLst>
-          </p:cNvPr>
-          <p:cNvCxnSpPr>
-            <a:cxnSpLocks/>
-            <a:stCxn id="130" idx="3"/>
-            <a:endCxn id="4" idx="1"/>
-          </p:cNvCxnSpPr>
-          <p:nvPr/>
-        </p:nvCxnSpPr>
-        <p:spPr>
-          <a:xfrm>
-            <a:off x="1347536" y="2014343"/>
-            <a:ext cx="840796" cy="604074"/>
-          </a:xfrm>
-          <a:prstGeom prst="straightConnector1">
-            <a:avLst/>
-          </a:prstGeom>
-          <a:ln>
-            <a:solidFill>
-              <a:schemeClr val="tx1"/>
-            </a:solidFill>
-            <a:tailEnd type="triangle"/>
-          </a:ln>
-        </p:spPr>
-        <p:style>
-          <a:lnRef idx="3">
-            <a:schemeClr val="accent2"/>
-          </a:lnRef>
-          <a:fillRef idx="0">
-            <a:schemeClr val="accent2"/>
-          </a:fillRef>
-          <a:effectRef idx="2">
-            <a:schemeClr val="accent2"/>
-          </a:effectRef>
-          <a:fontRef idx="minor">
-            <a:schemeClr val="tx1"/>
-          </a:fontRef>
-        </p:style>
-      </p:cxnSp>
       <p:sp>
         <p:nvSpPr>
           <p:cNvPr id="153" name="Rectángulo 152">
@@ -3583,7 +3388,60 @@
         </p:nvSpPr>
         <p:spPr>
           <a:xfrm>
-            <a:off x="1978870" y="726455"/>
+            <a:off x="1967090" y="780516"/>
+            <a:ext cx="4695824" cy="1097121"/>
+          </a:xfrm>
+          <a:prstGeom prst="rect">
+            <a:avLst/>
+          </a:prstGeom>
+          <a:noFill/>
+          <a:ln w="6350">
+            <a:solidFill>
+              <a:schemeClr val="tx1"/>
+            </a:solidFill>
+            <a:prstDash val="dash"/>
+          </a:ln>
+        </p:spPr>
+        <p:style>
+          <a:lnRef idx="2">
+            <a:schemeClr val="accent1">
+              <a:shade val="50000"/>
+            </a:schemeClr>
+          </a:lnRef>
+          <a:fillRef idx="1">
+            <a:schemeClr val="accent1"/>
+          </a:fillRef>
+          <a:effectRef idx="0">
+            <a:schemeClr val="accent1"/>
+          </a:effectRef>
+          <a:fontRef idx="minor">
+            <a:schemeClr val="lt1"/>
+          </a:fontRef>
+        </p:style>
+        <p:txBody>
+          <a:bodyPr rtlCol="0" anchor="ctr"/>
+          <a:lstStyle/>
+          <a:p>
+            <a:pPr algn="ctr"/>
+            <a:endParaRPr lang="es-CL"/>
+          </a:p>
+        </p:txBody>
+      </p:sp>
+      <p:sp>
+        <p:nvSpPr>
+          <p:cNvPr id="161" name="Rectángulo 160">
+            <a:extLst>
+              <a:ext uri="{FF2B5EF4-FFF2-40B4-BE49-F238E27FC236}">
+                <a16:creationId xmlns:a16="http://schemas.microsoft.com/office/drawing/2014/main" id="{1271A5F1-78C8-4691-A148-31B26E1F8A30}"/>
+              </a:ext>
+            </a:extLst>
+          </p:cNvPr>
+          <p:cNvSpPr/>
+          <p:nvPr/>
+        </p:nvSpPr>
+        <p:spPr>
+          <a:xfrm>
+            <a:off x="1957477" y="2270755"/>
             <a:ext cx="4695824" cy="1097121"/>
           </a:xfrm>
           <a:prstGeom prst="rect">
@@ -3624,10 +3482,10 @@
       </p:sp>
       <p:sp>
         <p:nvSpPr>
-          <p:cNvPr id="159" name="Rectángulo 158">
+          <p:cNvPr id="165" name="Rectángulo 164">
             <a:extLst>
               <a:ext uri="{FF2B5EF4-FFF2-40B4-BE49-F238E27FC236}">
-                <a16:creationId xmlns:a16="http://schemas.microsoft.com/office/drawing/2014/main" id="{F70DC47F-4906-4A10-81EC-B5A376DE96C3}"/>
+                <a16:creationId xmlns:a16="http://schemas.microsoft.com/office/drawing/2014/main" id="{B80D2382-8736-45C6-9459-84CBEAE9E76A}"/>
               </a:ext>
             </a:extLst>
           </p:cNvPr>
@@ -3636,7 +3494,7 @@
         </p:nvSpPr>
         <p:spPr>
           <a:xfrm>
-            <a:off x="3403237" y="549243"/>
+            <a:off x="3416568" y="642352"/>
             <a:ext cx="1534753" cy="354423"/>
           </a:xfrm>
           <a:prstGeom prst="rect">
@@ -3670,70 +3528,62 @@
                 <a:latin typeface="Times New Roman" panose="02020603050405020304" pitchFamily="18" charset="0"/>
                 <a:cs typeface="Times New Roman" panose="02020603050405020304" pitchFamily="18" charset="0"/>
               </a:rPr>
-              <a:t>Reproducción normativa</a:t>
-            </a:r>
-          </a:p>
-        </p:txBody>
-      </p:sp>
-      <p:sp>
-        <p:nvSpPr>
-          <p:cNvPr id="161" name="Rectángulo 160">
+              <a:t>Transmisión de habilidades</a:t>
+            </a:r>
+          </a:p>
+        </p:txBody>
+      </p:sp>
+      <p:sp>
+        <p:nvSpPr>
+          <p:cNvPr id="167" name="CuadroTexto 166">
             <a:extLst>
               <a:ext uri="{FF2B5EF4-FFF2-40B4-BE49-F238E27FC236}">
-                <a16:creationId xmlns:a16="http://schemas.microsoft.com/office/drawing/2014/main" id="{1271A5F1-78C8-4691-A148-31B26E1F8A30}"/>
+                <a16:creationId xmlns:a16="http://schemas.microsoft.com/office/drawing/2014/main" id="{287B2643-FAED-4551-BBCC-051420E35606}"/>
               </a:ext>
             </a:extLst>
           </p:cNvPr>
-          <p:cNvSpPr/>
+          <p:cNvSpPr txBox="1"/>
           <p:nvPr/>
         </p:nvSpPr>
         <p:spPr>
           <a:xfrm>
-            <a:off x="1928902" y="2235037"/>
-            <a:ext cx="4695824" cy="1097121"/>
+            <a:off x="-235944" y="360441"/>
+            <a:ext cx="2362200" cy="369332"/>
           </a:xfrm>
           <a:prstGeom prst="rect">
             <a:avLst/>
           </a:prstGeom>
           <a:noFill/>
           <a:ln>
-            <a:solidFill>
-              <a:schemeClr val="tx1"/>
-            </a:solidFill>
-            <a:prstDash val="dash"/>
+            <a:noFill/>
           </a:ln>
         </p:spPr>
-        <p:style>
-          <a:lnRef idx="2">
-            <a:schemeClr val="accent1">
-              <a:shade val="50000"/>
-            </a:schemeClr>
-          </a:lnRef>
-          <a:fillRef idx="1">
-            <a:schemeClr val="accent1"/>
-          </a:fillRef>
-          <a:effectRef idx="0">
-            <a:schemeClr val="accent1"/>
-          </a:effectRef>
-          <a:fontRef idx="minor">
-            <a:schemeClr val="lt1"/>
-          </a:fontRef>
-        </p:style>
-        <p:txBody>
-          <a:bodyPr rtlCol="0" anchor="ctr"/>
+        <p:txBody>
+          <a:bodyPr wrap="square" rtlCol="0">
+            <a:spAutoFit/>
+          </a:bodyPr>
           <a:lstStyle/>
           <a:p>
             <a:pPr algn="ctr"/>
-            <a:endParaRPr lang="es-CL"/>
-          </a:p>
-        </p:txBody>
-      </p:sp>
-      <p:sp>
-        <p:nvSpPr>
-          <p:cNvPr id="165" name="Rectángulo 164">
+            <a:r>
+              <a:rPr lang="es-CL" u="sng" dirty="0">
+                <a:solidFill>
+                  <a:schemeClr val="dk1"/>
+                </a:solidFill>
+                <a:latin typeface="Times New Roman" panose="02020603050405020304" pitchFamily="18" charset="0"/>
+                <a:cs typeface="Times New Roman" panose="02020603050405020304" pitchFamily="18" charset="0"/>
+              </a:rPr>
+              <a:t>Propuesta teórica</a:t>
+            </a:r>
+          </a:p>
+        </p:txBody>
+      </p:sp>
+      <p:sp>
+        <p:nvSpPr>
+          <p:cNvPr id="28" name="Rectángulo 27">
             <a:extLst>
               <a:ext uri="{FF2B5EF4-FFF2-40B4-BE49-F238E27FC236}">
-                <a16:creationId xmlns:a16="http://schemas.microsoft.com/office/drawing/2014/main" id="{B80D2382-8736-45C6-9459-84CBEAE9E76A}"/>
+                <a16:creationId xmlns:a16="http://schemas.microsoft.com/office/drawing/2014/main" id="{EC14670D-1C4A-410E-853A-2459BA33DC38}"/>
               </a:ext>
             </a:extLst>
           </p:cNvPr>
@@ -3742,7 +3592,7 @@
         </p:nvSpPr>
         <p:spPr>
           <a:xfrm>
-            <a:off x="3403237" y="3154944"/>
+            <a:off x="3416568" y="3190664"/>
             <a:ext cx="1534753" cy="354423"/>
           </a:xfrm>
           <a:prstGeom prst="rect">
@@ -3776,52 +3626,7 @@
                 <a:latin typeface="Times New Roman" panose="02020603050405020304" pitchFamily="18" charset="0"/>
                 <a:cs typeface="Times New Roman" panose="02020603050405020304" pitchFamily="18" charset="0"/>
               </a:rPr>
-              <a:t>Transmisión de habilidades</a:t>
-            </a:r>
-          </a:p>
-        </p:txBody>
-      </p:sp>
-      <p:sp>
-        <p:nvSpPr>
-          <p:cNvPr id="167" name="CuadroTexto 166">
-            <a:extLst>
-              <a:ext uri="{FF2B5EF4-FFF2-40B4-BE49-F238E27FC236}">
-                <a16:creationId xmlns:a16="http://schemas.microsoft.com/office/drawing/2014/main" id="{287B2643-FAED-4551-BBCC-051420E35606}"/>
-              </a:ext>
-            </a:extLst>
-          </p:cNvPr>
-          <p:cNvSpPr txBox="1"/>
-          <p:nvPr/>
-        </p:nvSpPr>
-        <p:spPr>
-          <a:xfrm>
-            <a:off x="-321669" y="-39609"/>
-            <a:ext cx="2362200" cy="369332"/>
-          </a:xfrm>
-          <a:prstGeom prst="rect">
-            <a:avLst/>
-          </a:prstGeom>
-          <a:noFill/>
-          <a:ln>
-            <a:noFill/>
-          </a:ln>
-        </p:spPr>
-        <p:txBody>
-          <a:bodyPr wrap="square" rtlCol="0">
-            <a:spAutoFit/>
-          </a:bodyPr>
-          <a:lstStyle/>
-          <a:p>
-            <a:pPr algn="ctr"/>
-            <a:r>
-              <a:rPr lang="es-CL" u="sng" dirty="0">
-                <a:solidFill>
-                  <a:schemeClr val="dk1"/>
-                </a:solidFill>
-                <a:latin typeface="Times New Roman" panose="02020603050405020304" pitchFamily="18" charset="0"/>
-                <a:cs typeface="Times New Roman" panose="02020603050405020304" pitchFamily="18" charset="0"/>
-              </a:rPr>
-              <a:t>Propuesta teórica</a:t>
+              <a:t>Reproducción normativa</a:t>
             </a:r>
           </a:p>
         </p:txBody>
